--- a/Waste classification.pptx
+++ b/Waste classification.pptx
@@ -2,7 +2,7 @@
 <file path=ppt/presentation.xml><?xml version="1.0" encoding="utf-8"?>
 <p:presentation xmlns:a="http://schemas.openxmlformats.org/drawingml/2006/main" xmlns:r="http://schemas.openxmlformats.org/officeDocument/2006/relationships" xmlns:p="http://schemas.openxmlformats.org/presentationml/2006/main" saveSubsetFonts="1">
   <p:sldMasterIdLst>
-    <p:sldMasterId id="2147483648" r:id="rId1"/>
+    <p:sldMasterId id="2147483744" r:id="rId1"/>
   </p:sldMasterIdLst>
   <p:sldIdLst>
     <p:sldId id="256" r:id="rId2"/>
@@ -16,9 +16,9 @@
   <p:notesSz cx="6858000" cy="9144000"/>
   <p:defaultTextStyle>
     <a:defPPr>
-      <a:defRPr lang="hu-HU"/>
+      <a:defRPr lang="en-US"/>
     </a:defPPr>
-    <a:lvl1pPr marL="0" algn="l" defTabSz="914400" rtl="0" eaLnBrk="1" latinLnBrk="0" hangingPunct="1">
+    <a:lvl1pPr marL="0" algn="l" defTabSz="457200" rtl="0" eaLnBrk="1" latinLnBrk="0" hangingPunct="1">
       <a:defRPr sz="1800" kern="1200">
         <a:solidFill>
           <a:schemeClr val="tx1"/>
@@ -28,7 +28,7 @@
         <a:cs typeface="+mn-cs"/>
       </a:defRPr>
     </a:lvl1pPr>
-    <a:lvl2pPr marL="457200" algn="l" defTabSz="914400" rtl="0" eaLnBrk="1" latinLnBrk="0" hangingPunct="1">
+    <a:lvl2pPr marL="457200" algn="l" defTabSz="457200" rtl="0" eaLnBrk="1" latinLnBrk="0" hangingPunct="1">
       <a:defRPr sz="1800" kern="1200">
         <a:solidFill>
           <a:schemeClr val="tx1"/>
@@ -38,7 +38,7 @@
         <a:cs typeface="+mn-cs"/>
       </a:defRPr>
     </a:lvl2pPr>
-    <a:lvl3pPr marL="914400" algn="l" defTabSz="914400" rtl="0" eaLnBrk="1" latinLnBrk="0" hangingPunct="1">
+    <a:lvl3pPr marL="914400" algn="l" defTabSz="457200" rtl="0" eaLnBrk="1" latinLnBrk="0" hangingPunct="1">
       <a:defRPr sz="1800" kern="1200">
         <a:solidFill>
           <a:schemeClr val="tx1"/>
@@ -48,7 +48,7 @@
         <a:cs typeface="+mn-cs"/>
       </a:defRPr>
     </a:lvl3pPr>
-    <a:lvl4pPr marL="1371600" algn="l" defTabSz="914400" rtl="0" eaLnBrk="1" latinLnBrk="0" hangingPunct="1">
+    <a:lvl4pPr marL="1371600" algn="l" defTabSz="457200" rtl="0" eaLnBrk="1" latinLnBrk="0" hangingPunct="1">
       <a:defRPr sz="1800" kern="1200">
         <a:solidFill>
           <a:schemeClr val="tx1"/>
@@ -58,7 +58,7 @@
         <a:cs typeface="+mn-cs"/>
       </a:defRPr>
     </a:lvl4pPr>
-    <a:lvl5pPr marL="1828800" algn="l" defTabSz="914400" rtl="0" eaLnBrk="1" latinLnBrk="0" hangingPunct="1">
+    <a:lvl5pPr marL="1828800" algn="l" defTabSz="457200" rtl="0" eaLnBrk="1" latinLnBrk="0" hangingPunct="1">
       <a:defRPr sz="1800" kern="1200">
         <a:solidFill>
           <a:schemeClr val="tx1"/>
@@ -68,7 +68,7 @@
         <a:cs typeface="+mn-cs"/>
       </a:defRPr>
     </a:lvl5pPr>
-    <a:lvl6pPr marL="2286000" algn="l" defTabSz="914400" rtl="0" eaLnBrk="1" latinLnBrk="0" hangingPunct="1">
+    <a:lvl6pPr marL="2286000" algn="l" defTabSz="457200" rtl="0" eaLnBrk="1" latinLnBrk="0" hangingPunct="1">
       <a:defRPr sz="1800" kern="1200">
         <a:solidFill>
           <a:schemeClr val="tx1"/>
@@ -78,7 +78,7 @@
         <a:cs typeface="+mn-cs"/>
       </a:defRPr>
     </a:lvl6pPr>
-    <a:lvl7pPr marL="2743200" algn="l" defTabSz="914400" rtl="0" eaLnBrk="1" latinLnBrk="0" hangingPunct="1">
+    <a:lvl7pPr marL="2743200" algn="l" defTabSz="457200" rtl="0" eaLnBrk="1" latinLnBrk="0" hangingPunct="1">
       <a:defRPr sz="1800" kern="1200">
         <a:solidFill>
           <a:schemeClr val="tx1"/>
@@ -88,7 +88,7 @@
         <a:cs typeface="+mn-cs"/>
       </a:defRPr>
     </a:lvl7pPr>
-    <a:lvl8pPr marL="3200400" algn="l" defTabSz="914400" rtl="0" eaLnBrk="1" latinLnBrk="0" hangingPunct="1">
+    <a:lvl8pPr marL="3200400" algn="l" defTabSz="457200" rtl="0" eaLnBrk="1" latinLnBrk="0" hangingPunct="1">
       <a:defRPr sz="1800" kern="1200">
         <a:solidFill>
           <a:schemeClr val="tx1"/>
@@ -98,7 +98,7 @@
         <a:cs typeface="+mn-cs"/>
       </a:defRPr>
     </a:lvl8pPr>
-    <a:lvl9pPr marL="3657600" algn="l" defTabSz="914400" rtl="0" eaLnBrk="1" latinLnBrk="0" hangingPunct="1">
+    <a:lvl9pPr marL="3657600" algn="l" defTabSz="457200" rtl="0" eaLnBrk="1" latinLnBrk="0" hangingPunct="1">
       <a:defRPr sz="1800" kern="1200">
         <a:solidFill>
           <a:schemeClr val="tx1"/>
@@ -109,12 +109,25 @@
       </a:defRPr>
     </a:lvl9pPr>
   </p:defaultTextStyle>
+  <p:extLst>
+    <p:ext uri="{EFAFB233-063F-42B5-8137-9DF3F51BA10A}">
+      <p15:sldGuideLst xmlns:p15="http://schemas.microsoft.com/office/powerpoint/2012/main"/>
+    </p:ext>
+  </p:extLst>
 </p:presentation>
 </file>
 
 <file path=ppt/slideLayouts/slideLayout1.xml><?xml version="1.0" encoding="utf-8"?>
-<p:sldLayout xmlns:a="http://schemas.openxmlformats.org/drawingml/2006/main" xmlns:r="http://schemas.openxmlformats.org/officeDocument/2006/relationships" xmlns:p="http://schemas.openxmlformats.org/presentationml/2006/main" type="title" preserve="1">
+<p:sldLayout xmlns:a="http://schemas.openxmlformats.org/drawingml/2006/main" xmlns:r="http://schemas.openxmlformats.org/officeDocument/2006/relationships" xmlns:p="http://schemas.openxmlformats.org/presentationml/2006/main" showMasterSp="0" type="title" preserve="1">
   <p:cSld name="Címdia">
+    <p:bg>
+      <p:bgPr>
+        <a:solidFill>
+          <a:schemeClr val="bg2"/>
+        </a:solidFill>
+        <a:effectLst/>
+      </p:bgPr>
+    </p:bg>
     <p:spTree>
       <p:nvGrpSpPr>
         <p:cNvPr id="1" name=""/>
@@ -131,13 +144,7 @@
       </p:grpSpPr>
       <p:sp>
         <p:nvSpPr>
-          <p:cNvPr id="2" name="Cím 1">
-            <a:extLst>
-              <a:ext uri="{FF2B5EF4-FFF2-40B4-BE49-F238E27FC236}">
-                <a16:creationId xmlns:a16="http://schemas.microsoft.com/office/drawing/2014/main" id="{99EBC600-6485-091F-85D5-355A4974138C}"/>
-              </a:ext>
-            </a:extLst>
-          </p:cNvPr>
+          <p:cNvPr id="2" name="Title 1"/>
           <p:cNvSpPr>
             <a:spLocks noGrp="1"/>
           </p:cNvSpPr>
@@ -147,15 +154,21 @@
         </p:nvSpPr>
         <p:spPr>
           <a:xfrm>
-            <a:off x="1524000" y="1122363"/>
-            <a:ext cx="9144000" cy="2387600"/>
+            <a:off x="1915128" y="1788454"/>
+            <a:ext cx="8361229" cy="2098226"/>
           </a:xfrm>
         </p:spPr>
         <p:txBody>
-          <a:bodyPr anchor="b"/>
+          <a:bodyPr anchor="b">
+            <a:noAutofit/>
+          </a:bodyPr>
           <a:lstStyle>
             <a:lvl1pPr algn="ctr">
-              <a:defRPr sz="6000"/>
+              <a:defRPr sz="7200" cap="all" baseline="0">
+                <a:solidFill>
+                  <a:schemeClr val="tx2"/>
+                </a:solidFill>
+              </a:defRPr>
             </a:lvl1pPr>
           </a:lstStyle>
           <a:p>
@@ -163,18 +176,13 @@
               <a:rPr lang="hu-HU"/>
               <a:t>Mintacím szerkesztése</a:t>
             </a:r>
-          </a:p>
-        </p:txBody>
-      </p:sp>
-      <p:sp>
-        <p:nvSpPr>
-          <p:cNvPr id="3" name="Alcím 2">
-            <a:extLst>
-              <a:ext uri="{FF2B5EF4-FFF2-40B4-BE49-F238E27FC236}">
-                <a16:creationId xmlns:a16="http://schemas.microsoft.com/office/drawing/2014/main" id="{92097811-9C64-26AE-479F-E8E88B6BA7C7}"/>
-              </a:ext>
-            </a:extLst>
-          </p:cNvPr>
+            <a:endParaRPr lang="en-US" dirty="0"/>
+          </a:p>
+        </p:txBody>
+      </p:sp>
+      <p:sp>
+        <p:nvSpPr>
+          <p:cNvPr id="3" name="Subtitle 2"/>
           <p:cNvSpPr>
             <a:spLocks noGrp="1"/>
           </p:cNvSpPr>
@@ -184,16 +192,27 @@
         </p:nvSpPr>
         <p:spPr>
           <a:xfrm>
-            <a:off x="1524000" y="3602038"/>
-            <a:ext cx="9144000" cy="1655762"/>
+            <a:off x="2679906" y="3956279"/>
+            <a:ext cx="6831673" cy="1086237"/>
           </a:xfrm>
         </p:spPr>
         <p:txBody>
-          <a:bodyPr/>
+          <a:bodyPr>
+            <a:normAutofit/>
+          </a:bodyPr>
           <a:lstStyle>
             <a:lvl1pPr marL="0" indent="0" algn="ctr">
-              <a:buNone/>
-              <a:defRPr sz="2400"/>
+              <a:lnSpc>
+                <a:spcPct val="112000"/>
+              </a:lnSpc>
+              <a:spcBef>
+                <a:spcPts val="0"/>
+              </a:spcBef>
+              <a:spcAft>
+                <a:spcPts val="0"/>
+              </a:spcAft>
+              <a:buNone/>
+              <a:defRPr sz="2300"/>
             </a:lvl1pPr>
             <a:lvl2pPr marL="457200" indent="0" algn="ctr">
               <a:buNone/>
@@ -233,18 +252,13 @@
               <a:rPr lang="hu-HU"/>
               <a:t>Kattintson ide az alcím mintájának szerkesztéséhez</a:t>
             </a:r>
-          </a:p>
-        </p:txBody>
-      </p:sp>
-      <p:sp>
-        <p:nvSpPr>
-          <p:cNvPr id="4" name="Dátum helye 3">
-            <a:extLst>
-              <a:ext uri="{FF2B5EF4-FFF2-40B4-BE49-F238E27FC236}">
-                <a16:creationId xmlns:a16="http://schemas.microsoft.com/office/drawing/2014/main" id="{3AE8C8E9-4825-44A3-9773-2C507212FA9C}"/>
-              </a:ext>
-            </a:extLst>
-          </p:cNvPr>
+            <a:endParaRPr lang="en-US" dirty="0"/>
+          </a:p>
+        </p:txBody>
+      </p:sp>
+      <p:sp>
+        <p:nvSpPr>
+          <p:cNvPr id="4" name="Date Placeholder 3"/>
           <p:cNvSpPr>
             <a:spLocks noGrp="1"/>
           </p:cNvSpPr>
@@ -252,10 +266,23 @@
             <p:ph type="dt" sz="half" idx="10"/>
           </p:nvPr>
         </p:nvSpPr>
-        <p:spPr/>
+        <p:spPr>
+          <a:xfrm>
+            <a:off x="752858" y="6453386"/>
+            <a:ext cx="1607944" cy="404614"/>
+          </a:xfrm>
+        </p:spPr>
         <p:txBody>
           <a:bodyPr/>
-          <a:lstStyle/>
+          <a:lstStyle>
+            <a:lvl1pPr>
+              <a:defRPr baseline="0">
+                <a:solidFill>
+                  <a:schemeClr val="tx2"/>
+                </a:solidFill>
+              </a:defRPr>
+            </a:lvl1pPr>
+          </a:lstStyle>
           <a:p>
             <a:fld id="{EDD659E1-ECCE-4A0B-8786-40BE2BC7E967}" type="datetimeFigureOut">
               <a:rPr lang="hu-HU" smtClean="0"/>
@@ -267,13 +294,7 @@
       </p:sp>
       <p:sp>
         <p:nvSpPr>
-          <p:cNvPr id="5" name="Élőláb helye 4">
-            <a:extLst>
-              <a:ext uri="{FF2B5EF4-FFF2-40B4-BE49-F238E27FC236}">
-                <a16:creationId xmlns:a16="http://schemas.microsoft.com/office/drawing/2014/main" id="{0D000465-E6BB-992D-9807-A1F40C259374}"/>
-              </a:ext>
-            </a:extLst>
-          </p:cNvPr>
+          <p:cNvPr id="5" name="Footer Placeholder 4"/>
           <p:cNvSpPr>
             <a:spLocks noGrp="1"/>
           </p:cNvSpPr>
@@ -281,10 +302,23 @@
             <p:ph type="ftr" sz="quarter" idx="11"/>
           </p:nvPr>
         </p:nvSpPr>
-        <p:spPr/>
+        <p:spPr>
+          <a:xfrm>
+            <a:off x="2584054" y="6453386"/>
+            <a:ext cx="7023377" cy="404614"/>
+          </a:xfrm>
+        </p:spPr>
         <p:txBody>
           <a:bodyPr/>
-          <a:lstStyle/>
+          <a:lstStyle>
+            <a:lvl1pPr algn="ctr">
+              <a:defRPr baseline="0">
+                <a:solidFill>
+                  <a:schemeClr val="tx2"/>
+                </a:solidFill>
+              </a:defRPr>
+            </a:lvl1pPr>
+          </a:lstStyle>
           <a:p>
             <a:endParaRPr lang="hu-HU"/>
           </a:p>
@@ -292,13 +326,7 @@
       </p:sp>
       <p:sp>
         <p:nvSpPr>
-          <p:cNvPr id="6" name="Dia számának helye 5">
-            <a:extLst>
-              <a:ext uri="{FF2B5EF4-FFF2-40B4-BE49-F238E27FC236}">
-                <a16:creationId xmlns:a16="http://schemas.microsoft.com/office/drawing/2014/main" id="{77ED2B2B-70BC-F281-3C18-EAE5D7CEF1E3}"/>
-              </a:ext>
-            </a:extLst>
-          </p:cNvPr>
+          <p:cNvPr id="6" name="Slide Number Placeholder 5"/>
           <p:cNvSpPr>
             <a:spLocks noGrp="1"/>
           </p:cNvSpPr>
@@ -306,10 +334,23 @@
             <p:ph type="sldNum" sz="quarter" idx="12"/>
           </p:nvPr>
         </p:nvSpPr>
-        <p:spPr/>
+        <p:spPr>
+          <a:xfrm>
+            <a:off x="9830683" y="6453386"/>
+            <a:ext cx="1596292" cy="404614"/>
+          </a:xfrm>
+        </p:spPr>
         <p:txBody>
           <a:bodyPr/>
-          <a:lstStyle/>
+          <a:lstStyle>
+            <a:lvl1pPr>
+              <a:defRPr baseline="0">
+                <a:solidFill>
+                  <a:schemeClr val="tx2"/>
+                </a:solidFill>
+              </a:defRPr>
+            </a:lvl1pPr>
+          </a:lstStyle>
           <a:p>
             <a:fld id="{79E25113-C54C-4B86-B6FA-10CF56199640}" type="slidenum">
               <a:rPr lang="hu-HU" smtClean="0"/>
@@ -319,15 +360,144 @@
           </a:p>
         </p:txBody>
       </p:sp>
+      <p:grpSp>
+        <p:nvGrpSpPr>
+          <p:cNvPr id="7" name="Group 6"/>
+          <p:cNvGrpSpPr/>
+          <p:nvPr/>
+        </p:nvGrpSpPr>
+        <p:grpSpPr>
+          <a:xfrm>
+            <a:off x="752858" y="744469"/>
+            <a:ext cx="10674117" cy="5349671"/>
+            <a:chOff x="752858" y="744469"/>
+            <a:chExt cx="10674117" cy="5349671"/>
+          </a:xfrm>
+        </p:grpSpPr>
+        <p:sp>
+          <p:nvSpPr>
+            <p:cNvPr id="11" name="Freeform 6"/>
+            <p:cNvSpPr/>
+            <p:nvPr/>
+          </p:nvSpPr>
+          <p:spPr bwMode="auto">
+            <a:xfrm>
+              <a:off x="8151962" y="1685652"/>
+              <a:ext cx="3275013" cy="4408488"/>
+            </a:xfrm>
+            <a:custGeom>
+              <a:avLst/>
+              <a:gdLst/>
+              <a:ahLst/>
+              <a:cxnLst/>
+              <a:rect l="l" t="t" r="r" b="b"/>
+              <a:pathLst>
+                <a:path w="10000" h="10000">
+                  <a:moveTo>
+                    <a:pt x="8761" y="0"/>
+                  </a:moveTo>
+                  <a:lnTo>
+                    <a:pt x="10000" y="0"/>
+                  </a:lnTo>
+                  <a:lnTo>
+                    <a:pt x="10000" y="10000"/>
+                  </a:lnTo>
+                  <a:lnTo>
+                    <a:pt x="0" y="10000"/>
+                  </a:lnTo>
+                  <a:lnTo>
+                    <a:pt x="0" y="9126"/>
+                  </a:lnTo>
+                  <a:lnTo>
+                    <a:pt x="8761" y="9127"/>
+                  </a:lnTo>
+                  <a:lnTo>
+                    <a:pt x="8761" y="0"/>
+                  </a:lnTo>
+                  <a:close/>
+                </a:path>
+              </a:pathLst>
+            </a:custGeom>
+            <a:solidFill>
+              <a:schemeClr val="tx2"/>
+            </a:solidFill>
+            <a:ln w="0">
+              <a:noFill/>
+              <a:prstDash val="solid"/>
+              <a:round/>
+              <a:headEnd/>
+              <a:tailEnd/>
+            </a:ln>
+          </p:spPr>
+        </p:sp>
+        <p:sp>
+          <p:nvSpPr>
+            <p:cNvPr id="14" name="Freeform 6"/>
+            <p:cNvSpPr/>
+            <p:nvPr/>
+          </p:nvSpPr>
+          <p:spPr bwMode="auto">
+            <a:xfrm flipH="1" flipV="1">
+              <a:off x="752858" y="744469"/>
+              <a:ext cx="3275668" cy="4408488"/>
+            </a:xfrm>
+            <a:custGeom>
+              <a:avLst/>
+              <a:gdLst/>
+              <a:ahLst/>
+              <a:cxnLst/>
+              <a:rect l="l" t="t" r="r" b="b"/>
+              <a:pathLst>
+                <a:path w="10002" h="10000">
+                  <a:moveTo>
+                    <a:pt x="8763" y="0"/>
+                  </a:moveTo>
+                  <a:lnTo>
+                    <a:pt x="10002" y="0"/>
+                  </a:lnTo>
+                  <a:lnTo>
+                    <a:pt x="10002" y="10000"/>
+                  </a:lnTo>
+                  <a:lnTo>
+                    <a:pt x="2" y="10000"/>
+                  </a:lnTo>
+                  <a:cubicBezTo>
+                    <a:pt x="-2" y="9698"/>
+                    <a:pt x="4" y="9427"/>
+                    <a:pt x="0" y="9125"/>
+                  </a:cubicBezTo>
+                  <a:lnTo>
+                    <a:pt x="8763" y="9128"/>
+                  </a:lnTo>
+                  <a:lnTo>
+                    <a:pt x="8763" y="0"/>
+                  </a:lnTo>
+                  <a:close/>
+                </a:path>
+              </a:pathLst>
+            </a:custGeom>
+            <a:solidFill>
+              <a:schemeClr val="tx2"/>
+            </a:solidFill>
+            <a:ln w="0">
+              <a:noFill/>
+              <a:prstDash val="solid"/>
+              <a:round/>
+              <a:headEnd/>
+              <a:tailEnd/>
+            </a:ln>
+          </p:spPr>
+        </p:sp>
+      </p:grpSp>
     </p:spTree>
     <p:extLst>
       <p:ext uri="{BB962C8B-B14F-4D97-AF65-F5344CB8AC3E}">
-        <p14:creationId xmlns:p14="http://schemas.microsoft.com/office/powerpoint/2010/main" val="668695674"/>
+        <p14:creationId xmlns:p14="http://schemas.microsoft.com/office/powerpoint/2010/main" val="1262348374"/>
       </p:ext>
     </p:extLst>
   </p:cSld>
   <p:clrMapOvr>
-    <a:masterClrMapping/>
+    <a:overrideClrMapping bg1="lt1" tx1="dk1" bg2="lt2" tx2="dk2" accent1="accent1" accent2="accent2" accent3="accent3" accent4="accent4" accent5="accent5" accent6="accent6" hlink="hlink" folHlink="folHlink"/>
   </p:clrMapOvr>
 </p:sldLayout>
 </file>
@@ -351,13 +521,7 @@
       </p:grpSpPr>
       <p:sp>
         <p:nvSpPr>
-          <p:cNvPr id="2" name="Cím 1">
-            <a:extLst>
-              <a:ext uri="{FF2B5EF4-FFF2-40B4-BE49-F238E27FC236}">
-                <a16:creationId xmlns:a16="http://schemas.microsoft.com/office/drawing/2014/main" id="{C460BC64-92BD-A60C-139A-358888C87870}"/>
-              </a:ext>
-            </a:extLst>
-          </p:cNvPr>
+          <p:cNvPr id="2" name="Title 1"/>
           <p:cNvSpPr>
             <a:spLocks noGrp="1"/>
           </p:cNvSpPr>
@@ -374,18 +538,13 @@
               <a:rPr lang="hu-HU"/>
               <a:t>Mintacím szerkesztése</a:t>
             </a:r>
-          </a:p>
-        </p:txBody>
-      </p:sp>
-      <p:sp>
-        <p:nvSpPr>
-          <p:cNvPr id="3" name="Függőleges szöveg helye 2">
-            <a:extLst>
-              <a:ext uri="{FF2B5EF4-FFF2-40B4-BE49-F238E27FC236}">
-                <a16:creationId xmlns:a16="http://schemas.microsoft.com/office/drawing/2014/main" id="{B5B09940-D2DC-C435-4F90-E93ADC58F474}"/>
-              </a:ext>
-            </a:extLst>
-          </p:cNvPr>
+            <a:endParaRPr lang="en-US" dirty="0"/>
+          </a:p>
+        </p:txBody>
+      </p:sp>
+      <p:sp>
+        <p:nvSpPr>
+          <p:cNvPr id="3" name="Vertical Text Placeholder 2"/>
           <p:cNvSpPr>
             <a:spLocks noGrp="1"/>
           </p:cNvSpPr>
@@ -393,7 +552,12 @@
             <p:ph type="body" orient="vert" idx="1"/>
           </p:nvPr>
         </p:nvSpPr>
-        <p:spPr/>
+        <p:spPr>
+          <a:xfrm>
+            <a:off x="1371600" y="2295525"/>
+            <a:ext cx="9601200" cy="3571875"/>
+          </a:xfrm>
+        </p:spPr>
         <p:txBody>
           <a:bodyPr vert="eaVert"/>
           <a:lstStyle/>
@@ -431,18 +595,13 @@
               <a:rPr lang="hu-HU"/>
               <a:t>Ötödik szint</a:t>
             </a:r>
-          </a:p>
-        </p:txBody>
-      </p:sp>
-      <p:sp>
-        <p:nvSpPr>
-          <p:cNvPr id="4" name="Dátum helye 3">
-            <a:extLst>
-              <a:ext uri="{FF2B5EF4-FFF2-40B4-BE49-F238E27FC236}">
-                <a16:creationId xmlns:a16="http://schemas.microsoft.com/office/drawing/2014/main" id="{DD15E998-8F3D-9A5B-151D-A5C3BA081D07}"/>
-              </a:ext>
-            </a:extLst>
-          </p:cNvPr>
+            <a:endParaRPr lang="en-US" dirty="0"/>
+          </a:p>
+        </p:txBody>
+      </p:sp>
+      <p:sp>
+        <p:nvSpPr>
+          <p:cNvPr id="4" name="Date Placeholder 3"/>
           <p:cNvSpPr>
             <a:spLocks noGrp="1"/>
           </p:cNvSpPr>
@@ -465,13 +624,7 @@
       </p:sp>
       <p:sp>
         <p:nvSpPr>
-          <p:cNvPr id="5" name="Élőláb helye 4">
-            <a:extLst>
-              <a:ext uri="{FF2B5EF4-FFF2-40B4-BE49-F238E27FC236}">
-                <a16:creationId xmlns:a16="http://schemas.microsoft.com/office/drawing/2014/main" id="{7243744F-F941-57D4-1A4B-60103EBA17C6}"/>
-              </a:ext>
-            </a:extLst>
-          </p:cNvPr>
+          <p:cNvPr id="5" name="Footer Placeholder 4"/>
           <p:cNvSpPr>
             <a:spLocks noGrp="1"/>
           </p:cNvSpPr>
@@ -490,13 +643,7 @@
       </p:sp>
       <p:sp>
         <p:nvSpPr>
-          <p:cNvPr id="6" name="Dia számának helye 5">
-            <a:extLst>
-              <a:ext uri="{FF2B5EF4-FFF2-40B4-BE49-F238E27FC236}">
-                <a16:creationId xmlns:a16="http://schemas.microsoft.com/office/drawing/2014/main" id="{E1C95441-B0AC-F187-01D7-4C55B84499A7}"/>
-              </a:ext>
-            </a:extLst>
-          </p:cNvPr>
+          <p:cNvPr id="6" name="Slide Number Placeholder 5"/>
           <p:cNvSpPr>
             <a:spLocks noGrp="1"/>
           </p:cNvSpPr>
@@ -520,7 +667,7 @@
     </p:spTree>
     <p:extLst>
       <p:ext uri="{BB962C8B-B14F-4D97-AF65-F5344CB8AC3E}">
-        <p14:creationId xmlns:p14="http://schemas.microsoft.com/office/powerpoint/2010/main" val="3073771723"/>
+        <p14:creationId xmlns:p14="http://schemas.microsoft.com/office/powerpoint/2010/main" val="1273439711"/>
       </p:ext>
     </p:extLst>
   </p:cSld>
@@ -549,13 +696,7 @@
       </p:grpSpPr>
       <p:sp>
         <p:nvSpPr>
-          <p:cNvPr id="2" name="Függőleges cím 1">
-            <a:extLst>
-              <a:ext uri="{FF2B5EF4-FFF2-40B4-BE49-F238E27FC236}">
-                <a16:creationId xmlns:a16="http://schemas.microsoft.com/office/drawing/2014/main" id="{8ADDCB4A-4D25-13E4-D652-86ACB20B8A1F}"/>
-              </a:ext>
-            </a:extLst>
-          </p:cNvPr>
+          <p:cNvPr id="2" name="Vertical Title 1"/>
           <p:cNvSpPr>
             <a:spLocks noGrp="1"/>
           </p:cNvSpPr>
@@ -565,8 +706,8 @@
         </p:nvSpPr>
         <p:spPr>
           <a:xfrm>
-            <a:off x="8724900" y="365125"/>
-            <a:ext cx="2628900" cy="5811838"/>
+            <a:off x="9596561" y="624156"/>
+            <a:ext cx="1565766" cy="5243244"/>
           </a:xfrm>
         </p:spPr>
         <p:txBody>
@@ -577,18 +718,13 @@
               <a:rPr lang="hu-HU"/>
               <a:t>Mintacím szerkesztése</a:t>
             </a:r>
-          </a:p>
-        </p:txBody>
-      </p:sp>
-      <p:sp>
-        <p:nvSpPr>
-          <p:cNvPr id="3" name="Függőleges szöveg helye 2">
-            <a:extLst>
-              <a:ext uri="{FF2B5EF4-FFF2-40B4-BE49-F238E27FC236}">
-                <a16:creationId xmlns:a16="http://schemas.microsoft.com/office/drawing/2014/main" id="{D8EF169A-EB98-2F0B-6A87-D36EBDABA405}"/>
-              </a:ext>
-            </a:extLst>
-          </p:cNvPr>
+            <a:endParaRPr lang="en-US" dirty="0"/>
+          </a:p>
+        </p:txBody>
+      </p:sp>
+      <p:sp>
+        <p:nvSpPr>
+          <p:cNvPr id="3" name="Vertical Text Placeholder 2"/>
           <p:cNvSpPr>
             <a:spLocks noGrp="1"/>
           </p:cNvSpPr>
@@ -598,8 +734,8 @@
         </p:nvSpPr>
         <p:spPr>
           <a:xfrm>
-            <a:off x="838200" y="365125"/>
-            <a:ext cx="7734300" cy="5811838"/>
+            <a:off x="1371600" y="624156"/>
+            <a:ext cx="8179641" cy="5243244"/>
           </a:xfrm>
         </p:spPr>
         <p:txBody>
@@ -639,18 +775,13 @@
               <a:rPr lang="hu-HU"/>
               <a:t>Ötödik szint</a:t>
             </a:r>
-          </a:p>
-        </p:txBody>
-      </p:sp>
-      <p:sp>
-        <p:nvSpPr>
-          <p:cNvPr id="4" name="Dátum helye 3">
-            <a:extLst>
-              <a:ext uri="{FF2B5EF4-FFF2-40B4-BE49-F238E27FC236}">
-                <a16:creationId xmlns:a16="http://schemas.microsoft.com/office/drawing/2014/main" id="{40F74DD7-00E4-AD82-B453-276CD2FA5E6D}"/>
-              </a:ext>
-            </a:extLst>
-          </p:cNvPr>
+            <a:endParaRPr lang="en-US" dirty="0"/>
+          </a:p>
+        </p:txBody>
+      </p:sp>
+      <p:sp>
+        <p:nvSpPr>
+          <p:cNvPr id="4" name="Date Placeholder 3"/>
           <p:cNvSpPr>
             <a:spLocks noGrp="1"/>
           </p:cNvSpPr>
@@ -673,13 +804,7 @@
       </p:sp>
       <p:sp>
         <p:nvSpPr>
-          <p:cNvPr id="5" name="Élőláb helye 4">
-            <a:extLst>
-              <a:ext uri="{FF2B5EF4-FFF2-40B4-BE49-F238E27FC236}">
-                <a16:creationId xmlns:a16="http://schemas.microsoft.com/office/drawing/2014/main" id="{D9A1847B-D96D-3ACA-D7D6-8F17CE3739C4}"/>
-              </a:ext>
-            </a:extLst>
-          </p:cNvPr>
+          <p:cNvPr id="5" name="Footer Placeholder 4"/>
           <p:cNvSpPr>
             <a:spLocks noGrp="1"/>
           </p:cNvSpPr>
@@ -698,13 +823,7 @@
       </p:sp>
       <p:sp>
         <p:nvSpPr>
-          <p:cNvPr id="6" name="Dia számának helye 5">
-            <a:extLst>
-              <a:ext uri="{FF2B5EF4-FFF2-40B4-BE49-F238E27FC236}">
-                <a16:creationId xmlns:a16="http://schemas.microsoft.com/office/drawing/2014/main" id="{98F43412-4F11-EAB4-1B37-72C97FA3CBB3}"/>
-              </a:ext>
-            </a:extLst>
-          </p:cNvPr>
+          <p:cNvPr id="6" name="Slide Number Placeholder 5"/>
           <p:cNvSpPr>
             <a:spLocks noGrp="1"/>
           </p:cNvSpPr>
@@ -728,7 +847,7 @@
     </p:spTree>
     <p:extLst>
       <p:ext uri="{BB962C8B-B14F-4D97-AF65-F5344CB8AC3E}">
-        <p14:creationId xmlns:p14="http://schemas.microsoft.com/office/powerpoint/2010/main" val="1549440431"/>
+        <p14:creationId xmlns:p14="http://schemas.microsoft.com/office/powerpoint/2010/main" val="1148261975"/>
       </p:ext>
     </p:extLst>
   </p:cSld>
@@ -757,13 +876,7 @@
       </p:grpSpPr>
       <p:sp>
         <p:nvSpPr>
-          <p:cNvPr id="2" name="Cím 1">
-            <a:extLst>
-              <a:ext uri="{FF2B5EF4-FFF2-40B4-BE49-F238E27FC236}">
-                <a16:creationId xmlns:a16="http://schemas.microsoft.com/office/drawing/2014/main" id="{37EA5F86-0A59-2E84-DE59-42CF07BAEF82}"/>
-              </a:ext>
-            </a:extLst>
-          </p:cNvPr>
+          <p:cNvPr id="2" name="Title 1"/>
           <p:cNvSpPr>
             <a:spLocks noGrp="1"/>
           </p:cNvSpPr>
@@ -780,18 +893,13 @@
               <a:rPr lang="hu-HU"/>
               <a:t>Mintacím szerkesztése</a:t>
             </a:r>
-          </a:p>
-        </p:txBody>
-      </p:sp>
-      <p:sp>
-        <p:nvSpPr>
-          <p:cNvPr id="3" name="Tartalom helye 2">
-            <a:extLst>
-              <a:ext uri="{FF2B5EF4-FFF2-40B4-BE49-F238E27FC236}">
-                <a16:creationId xmlns:a16="http://schemas.microsoft.com/office/drawing/2014/main" id="{93C271DC-781F-6B46-B9CF-4BF78D8A48C8}"/>
-              </a:ext>
-            </a:extLst>
-          </p:cNvPr>
+            <a:endParaRPr lang="en-US" dirty="0"/>
+          </a:p>
+        </p:txBody>
+      </p:sp>
+      <p:sp>
+        <p:nvSpPr>
+          <p:cNvPr id="3" name="Content Placeholder 2"/>
           <p:cNvSpPr>
             <a:spLocks noGrp="1"/>
           </p:cNvSpPr>
@@ -837,18 +945,13 @@
               <a:rPr lang="hu-HU"/>
               <a:t>Ötödik szint</a:t>
             </a:r>
-          </a:p>
-        </p:txBody>
-      </p:sp>
-      <p:sp>
-        <p:nvSpPr>
-          <p:cNvPr id="4" name="Dátum helye 3">
-            <a:extLst>
-              <a:ext uri="{FF2B5EF4-FFF2-40B4-BE49-F238E27FC236}">
-                <a16:creationId xmlns:a16="http://schemas.microsoft.com/office/drawing/2014/main" id="{2E7BC5E9-CA63-E6F3-0F22-5CE72B3F6FBA}"/>
-              </a:ext>
-            </a:extLst>
-          </p:cNvPr>
+            <a:endParaRPr lang="en-US" dirty="0"/>
+          </a:p>
+        </p:txBody>
+      </p:sp>
+      <p:sp>
+        <p:nvSpPr>
+          <p:cNvPr id="4" name="Date Placeholder 3"/>
           <p:cNvSpPr>
             <a:spLocks noGrp="1"/>
           </p:cNvSpPr>
@@ -871,13 +974,7 @@
       </p:sp>
       <p:sp>
         <p:nvSpPr>
-          <p:cNvPr id="5" name="Élőláb helye 4">
-            <a:extLst>
-              <a:ext uri="{FF2B5EF4-FFF2-40B4-BE49-F238E27FC236}">
-                <a16:creationId xmlns:a16="http://schemas.microsoft.com/office/drawing/2014/main" id="{E26841BC-6E6F-0269-7059-1237E98E6836}"/>
-              </a:ext>
-            </a:extLst>
-          </p:cNvPr>
+          <p:cNvPr id="5" name="Footer Placeholder 4"/>
           <p:cNvSpPr>
             <a:spLocks noGrp="1"/>
           </p:cNvSpPr>
@@ -896,13 +993,7 @@
       </p:sp>
       <p:sp>
         <p:nvSpPr>
-          <p:cNvPr id="6" name="Dia számának helye 5">
-            <a:extLst>
-              <a:ext uri="{FF2B5EF4-FFF2-40B4-BE49-F238E27FC236}">
-                <a16:creationId xmlns:a16="http://schemas.microsoft.com/office/drawing/2014/main" id="{8B4C85F9-F831-D6C7-3010-910EC20CADE1}"/>
-              </a:ext>
-            </a:extLst>
-          </p:cNvPr>
+          <p:cNvPr id="6" name="Slide Number Placeholder 5"/>
           <p:cNvSpPr>
             <a:spLocks noGrp="1"/>
           </p:cNvSpPr>
@@ -926,7 +1017,7 @@
     </p:spTree>
     <p:extLst>
       <p:ext uri="{BB962C8B-B14F-4D97-AF65-F5344CB8AC3E}">
-        <p14:creationId xmlns:p14="http://schemas.microsoft.com/office/powerpoint/2010/main" val="2046550982"/>
+        <p14:creationId xmlns:p14="http://schemas.microsoft.com/office/powerpoint/2010/main" val="1827711195"/>
       </p:ext>
     </p:extLst>
   </p:cSld>
@@ -937,8 +1028,13 @@
 </file>
 
 <file path=ppt/slideLayouts/slideLayout3.xml><?xml version="1.0" encoding="utf-8"?>
-<p:sldLayout xmlns:a="http://schemas.openxmlformats.org/drawingml/2006/main" xmlns:r="http://schemas.openxmlformats.org/officeDocument/2006/relationships" xmlns:p="http://schemas.openxmlformats.org/presentationml/2006/main" type="secHead" preserve="1">
+<p:sldLayout xmlns:a="http://schemas.openxmlformats.org/drawingml/2006/main" xmlns:r="http://schemas.openxmlformats.org/officeDocument/2006/relationships" xmlns:p="http://schemas.openxmlformats.org/presentationml/2006/main" showMasterSp="0" type="secHead" preserve="1">
   <p:cSld name="Szakaszfejléc">
+    <p:bg>
+      <p:bgRef idx="1001">
+        <a:schemeClr val="bg2"/>
+      </p:bgRef>
+    </p:bg>
     <p:spTree>
       <p:nvGrpSpPr>
         <p:cNvPr id="1" name=""/>
@@ -955,13 +1051,7 @@
       </p:grpSpPr>
       <p:sp>
         <p:nvSpPr>
-          <p:cNvPr id="2" name="Cím 1">
-            <a:extLst>
-              <a:ext uri="{FF2B5EF4-FFF2-40B4-BE49-F238E27FC236}">
-                <a16:creationId xmlns:a16="http://schemas.microsoft.com/office/drawing/2014/main" id="{EE5B0568-3616-24E4-AA5E-BF175BB054CB}"/>
-              </a:ext>
-            </a:extLst>
-          </p:cNvPr>
+          <p:cNvPr id="2" name="Title 1"/>
           <p:cNvSpPr>
             <a:spLocks noGrp="1"/>
           </p:cNvSpPr>
@@ -971,15 +1061,21 @@
         </p:nvSpPr>
         <p:spPr>
           <a:xfrm>
-            <a:off x="831850" y="1709738"/>
-            <a:ext cx="10515600" cy="2852737"/>
+            <a:off x="765025" y="1301360"/>
+            <a:ext cx="9612971" cy="2852737"/>
           </a:xfrm>
         </p:spPr>
         <p:txBody>
-          <a:bodyPr anchor="b"/>
+          <a:bodyPr anchor="b">
+            <a:normAutofit/>
+          </a:bodyPr>
           <a:lstStyle>
-            <a:lvl1pPr>
-              <a:defRPr sz="6000"/>
+            <a:lvl1pPr algn="r">
+              <a:defRPr sz="7200" cap="all" baseline="0">
+                <a:solidFill>
+                  <a:schemeClr val="tx2"/>
+                </a:solidFill>
+              </a:defRPr>
             </a:lvl1pPr>
           </a:lstStyle>
           <a:p>
@@ -987,18 +1083,13 @@
               <a:rPr lang="hu-HU"/>
               <a:t>Mintacím szerkesztése</a:t>
             </a:r>
-          </a:p>
-        </p:txBody>
-      </p:sp>
-      <p:sp>
-        <p:nvSpPr>
-          <p:cNvPr id="3" name="Szöveg helye 2">
-            <a:extLst>
-              <a:ext uri="{FF2B5EF4-FFF2-40B4-BE49-F238E27FC236}">
-                <a16:creationId xmlns:a16="http://schemas.microsoft.com/office/drawing/2014/main" id="{0F3F7478-F65C-3EE9-FC47-6116CDE1B8AB}"/>
-              </a:ext>
-            </a:extLst>
-          </p:cNvPr>
+            <a:endParaRPr lang="en-US" dirty="0"/>
+          </a:p>
+        </p:txBody>
+      </p:sp>
+      <p:sp>
+        <p:nvSpPr>
+          <p:cNvPr id="3" name="Text Placeholder 2"/>
           <p:cNvSpPr>
             <a:spLocks noGrp="1"/>
           </p:cNvSpPr>
@@ -1008,20 +1099,27 @@
         </p:nvSpPr>
         <p:spPr>
           <a:xfrm>
-            <a:off x="831850" y="4589463"/>
-            <a:ext cx="10515600" cy="1500187"/>
+            <a:off x="765025" y="4216328"/>
+            <a:ext cx="9612971" cy="1143324"/>
           </a:xfrm>
         </p:spPr>
         <p:txBody>
           <a:bodyPr/>
           <a:lstStyle>
-            <a:lvl1pPr marL="0" indent="0">
+            <a:lvl1pPr marL="0" indent="0" algn="r">
+              <a:lnSpc>
+                <a:spcPct val="112000"/>
+              </a:lnSpc>
+              <a:spcBef>
+                <a:spcPts val="0"/>
+              </a:spcBef>
+              <a:spcAft>
+                <a:spcPts val="0"/>
+              </a:spcAft>
               <a:buNone/>
               <a:defRPr sz="2400">
                 <a:solidFill>
-                  <a:schemeClr val="tx1">
-                    <a:tint val="75000"/>
-                  </a:schemeClr>
+                  <a:schemeClr val="tx2"/>
                 </a:solidFill>
               </a:defRPr>
             </a:lvl1pPr>
@@ -1117,13 +1215,7 @@
       </p:sp>
       <p:sp>
         <p:nvSpPr>
-          <p:cNvPr id="4" name="Dátum helye 3">
-            <a:extLst>
-              <a:ext uri="{FF2B5EF4-FFF2-40B4-BE49-F238E27FC236}">
-                <a16:creationId xmlns:a16="http://schemas.microsoft.com/office/drawing/2014/main" id="{BBC5AEEC-BD18-D3E1-A7EF-D56C4DDD823A}"/>
-              </a:ext>
-            </a:extLst>
-          </p:cNvPr>
+          <p:cNvPr id="4" name="Date Placeholder 3"/>
           <p:cNvSpPr>
             <a:spLocks noGrp="1"/>
           </p:cNvSpPr>
@@ -1131,10 +1223,23 @@
             <p:ph type="dt" sz="half" idx="10"/>
           </p:nvPr>
         </p:nvSpPr>
-        <p:spPr/>
+        <p:spPr>
+          <a:xfrm>
+            <a:off x="738908" y="6453386"/>
+            <a:ext cx="1622409" cy="404614"/>
+          </a:xfrm>
+        </p:spPr>
         <p:txBody>
           <a:bodyPr/>
-          <a:lstStyle/>
+          <a:lstStyle>
+            <a:lvl1pPr>
+              <a:defRPr>
+                <a:solidFill>
+                  <a:schemeClr val="tx2"/>
+                </a:solidFill>
+              </a:defRPr>
+            </a:lvl1pPr>
+          </a:lstStyle>
           <a:p>
             <a:fld id="{EDD659E1-ECCE-4A0B-8786-40BE2BC7E967}" type="datetimeFigureOut">
               <a:rPr lang="hu-HU" smtClean="0"/>
@@ -1146,13 +1251,7 @@
       </p:sp>
       <p:sp>
         <p:nvSpPr>
-          <p:cNvPr id="5" name="Élőláb helye 4">
-            <a:extLst>
-              <a:ext uri="{FF2B5EF4-FFF2-40B4-BE49-F238E27FC236}">
-                <a16:creationId xmlns:a16="http://schemas.microsoft.com/office/drawing/2014/main" id="{C12135AA-F2C4-C91F-8AD0-9BC3187D30F6}"/>
-              </a:ext>
-            </a:extLst>
-          </p:cNvPr>
+          <p:cNvPr id="5" name="Footer Placeholder 4"/>
           <p:cNvSpPr>
             <a:spLocks noGrp="1"/>
           </p:cNvSpPr>
@@ -1160,10 +1259,23 @@
             <p:ph type="ftr" sz="quarter" idx="11"/>
           </p:nvPr>
         </p:nvSpPr>
-        <p:spPr/>
+        <p:spPr>
+          <a:xfrm>
+            <a:off x="2584312" y="6453386"/>
+            <a:ext cx="7023377" cy="404614"/>
+          </a:xfrm>
+        </p:spPr>
         <p:txBody>
           <a:bodyPr/>
-          <a:lstStyle/>
+          <a:lstStyle>
+            <a:lvl1pPr algn="ctr">
+              <a:defRPr>
+                <a:solidFill>
+                  <a:schemeClr val="tx2"/>
+                </a:solidFill>
+              </a:defRPr>
+            </a:lvl1pPr>
+          </a:lstStyle>
           <a:p>
             <a:endParaRPr lang="hu-HU"/>
           </a:p>
@@ -1171,13 +1283,7 @@
       </p:sp>
       <p:sp>
         <p:nvSpPr>
-          <p:cNvPr id="6" name="Dia számának helye 5">
-            <a:extLst>
-              <a:ext uri="{FF2B5EF4-FFF2-40B4-BE49-F238E27FC236}">
-                <a16:creationId xmlns:a16="http://schemas.microsoft.com/office/drawing/2014/main" id="{EE9AE41D-F406-82E6-E0CC-53F348B41941}"/>
-              </a:ext>
-            </a:extLst>
-          </p:cNvPr>
+          <p:cNvPr id="6" name="Slide Number Placeholder 5"/>
           <p:cNvSpPr>
             <a:spLocks noGrp="1"/>
           </p:cNvSpPr>
@@ -1185,10 +1291,23 @@
             <p:ph type="sldNum" sz="quarter" idx="12"/>
           </p:nvPr>
         </p:nvSpPr>
-        <p:spPr/>
+        <p:spPr>
+          <a:xfrm>
+            <a:off x="9830683" y="6453386"/>
+            <a:ext cx="1596292" cy="404614"/>
+          </a:xfrm>
+        </p:spPr>
         <p:txBody>
           <a:bodyPr/>
-          <a:lstStyle/>
+          <a:lstStyle>
+            <a:lvl1pPr>
+              <a:defRPr>
+                <a:solidFill>
+                  <a:schemeClr val="tx2"/>
+                </a:solidFill>
+              </a:defRPr>
+            </a:lvl1pPr>
+          </a:lstStyle>
           <a:p>
             <a:fld id="{79E25113-C54C-4B86-B6FA-10CF56199640}" type="slidenum">
               <a:rPr lang="hu-HU" smtClean="0"/>
@@ -1198,15 +1317,71 @@
           </a:p>
         </p:txBody>
       </p:sp>
+      <p:sp>
+        <p:nvSpPr>
+          <p:cNvPr id="7" name="Freeform 6" title="Crop Mark"/>
+          <p:cNvSpPr/>
+          <p:nvPr/>
+        </p:nvSpPr>
+        <p:spPr bwMode="auto">
+          <a:xfrm>
+            <a:off x="8151962" y="1685652"/>
+            <a:ext cx="3275013" cy="4408488"/>
+          </a:xfrm>
+          <a:custGeom>
+            <a:avLst/>
+            <a:gdLst/>
+            <a:ahLst/>
+            <a:cxnLst/>
+            <a:rect l="0" t="0" r="r" b="b"/>
+            <a:pathLst>
+              <a:path w="4125" h="5554">
+                <a:moveTo>
+                  <a:pt x="3614" y="0"/>
+                </a:moveTo>
+                <a:lnTo>
+                  <a:pt x="4125" y="0"/>
+                </a:lnTo>
+                <a:lnTo>
+                  <a:pt x="4125" y="5554"/>
+                </a:lnTo>
+                <a:lnTo>
+                  <a:pt x="0" y="5554"/>
+                </a:lnTo>
+                <a:lnTo>
+                  <a:pt x="0" y="5074"/>
+                </a:lnTo>
+                <a:lnTo>
+                  <a:pt x="3614" y="5074"/>
+                </a:lnTo>
+                <a:lnTo>
+                  <a:pt x="3614" y="0"/>
+                </a:lnTo>
+                <a:close/>
+              </a:path>
+            </a:pathLst>
+          </a:custGeom>
+          <a:solidFill>
+            <a:schemeClr val="tx2"/>
+          </a:solidFill>
+          <a:ln w="0">
+            <a:noFill/>
+            <a:prstDash val="solid"/>
+            <a:round/>
+            <a:headEnd/>
+            <a:tailEnd/>
+          </a:ln>
+        </p:spPr>
+      </p:sp>
     </p:spTree>
     <p:extLst>
       <p:ext uri="{BB962C8B-B14F-4D97-AF65-F5344CB8AC3E}">
-        <p14:creationId xmlns:p14="http://schemas.microsoft.com/office/powerpoint/2010/main" val="1874179711"/>
+        <p14:creationId xmlns:p14="http://schemas.microsoft.com/office/powerpoint/2010/main" val="2800781620"/>
       </p:ext>
     </p:extLst>
   </p:cSld>
   <p:clrMapOvr>
-    <a:masterClrMapping/>
+    <a:overrideClrMapping bg1="dk1" tx1="lt1" bg2="dk2" tx2="lt2" accent1="accent1" accent2="accent2" accent3="accent3" accent4="accent4" accent5="accent5" accent6="accent6" hlink="hlink" folHlink="folHlink"/>
   </p:clrMapOvr>
 </p:sldLayout>
 </file>
@@ -1230,13 +1405,7 @@
       </p:grpSpPr>
       <p:sp>
         <p:nvSpPr>
-          <p:cNvPr id="2" name="Cím 1">
-            <a:extLst>
-              <a:ext uri="{FF2B5EF4-FFF2-40B4-BE49-F238E27FC236}">
-                <a16:creationId xmlns:a16="http://schemas.microsoft.com/office/drawing/2014/main" id="{303738EF-60E4-122D-759D-D61346C2B332}"/>
-              </a:ext>
-            </a:extLst>
-          </p:cNvPr>
+          <p:cNvPr id="2" name="Title 1"/>
           <p:cNvSpPr>
             <a:spLocks noGrp="1"/>
           </p:cNvSpPr>
@@ -1247,24 +1416,27 @@
         <p:spPr/>
         <p:txBody>
           <a:bodyPr/>
-          <a:lstStyle/>
+          <a:lstStyle>
+            <a:lvl1pPr>
+              <a:defRPr>
+                <a:solidFill>
+                  <a:schemeClr val="tx2"/>
+                </a:solidFill>
+              </a:defRPr>
+            </a:lvl1pPr>
+          </a:lstStyle>
           <a:p>
             <a:r>
               <a:rPr lang="hu-HU"/>
               <a:t>Mintacím szerkesztése</a:t>
             </a:r>
-          </a:p>
-        </p:txBody>
-      </p:sp>
-      <p:sp>
-        <p:nvSpPr>
-          <p:cNvPr id="3" name="Tartalom helye 2">
-            <a:extLst>
-              <a:ext uri="{FF2B5EF4-FFF2-40B4-BE49-F238E27FC236}">
-                <a16:creationId xmlns:a16="http://schemas.microsoft.com/office/drawing/2014/main" id="{190B38D1-A7D2-DA4C-EFE4-701029E5FB78}"/>
-              </a:ext>
-            </a:extLst>
-          </p:cNvPr>
+            <a:endParaRPr lang="en-US" dirty="0"/>
+          </a:p>
+        </p:txBody>
+      </p:sp>
+      <p:sp>
+        <p:nvSpPr>
+          <p:cNvPr id="3" name="Content Placeholder 2"/>
           <p:cNvSpPr>
             <a:spLocks noGrp="1"/>
           </p:cNvSpPr>
@@ -1274,13 +1446,49 @@
         </p:nvSpPr>
         <p:spPr>
           <a:xfrm>
-            <a:off x="838200" y="1825625"/>
-            <a:ext cx="5181600" cy="4351338"/>
+            <a:off x="1371600" y="2285999"/>
+            <a:ext cx="4447786" cy="3581401"/>
           </a:xfrm>
         </p:spPr>
         <p:txBody>
           <a:bodyPr/>
-          <a:lstStyle/>
+          <a:lstStyle>
+            <a:lvl1pPr>
+              <a:defRPr baseline="0">
+                <a:solidFill>
+                  <a:schemeClr val="tx2"/>
+                </a:solidFill>
+              </a:defRPr>
+            </a:lvl1pPr>
+            <a:lvl2pPr>
+              <a:defRPr baseline="0">
+                <a:solidFill>
+                  <a:schemeClr val="tx2"/>
+                </a:solidFill>
+              </a:defRPr>
+            </a:lvl2pPr>
+            <a:lvl3pPr>
+              <a:defRPr baseline="0">
+                <a:solidFill>
+                  <a:schemeClr val="tx2"/>
+                </a:solidFill>
+              </a:defRPr>
+            </a:lvl3pPr>
+            <a:lvl4pPr>
+              <a:defRPr baseline="0">
+                <a:solidFill>
+                  <a:schemeClr val="tx2"/>
+                </a:solidFill>
+              </a:defRPr>
+            </a:lvl4pPr>
+            <a:lvl5pPr>
+              <a:defRPr baseline="0">
+                <a:solidFill>
+                  <a:schemeClr val="tx2"/>
+                </a:solidFill>
+              </a:defRPr>
+            </a:lvl5pPr>
+          </a:lstStyle>
           <a:p>
             <a:pPr lvl="0"/>
             <a:r>
@@ -1315,18 +1523,13 @@
               <a:rPr lang="hu-HU"/>
               <a:t>Ötödik szint</a:t>
             </a:r>
-          </a:p>
-        </p:txBody>
-      </p:sp>
-      <p:sp>
-        <p:nvSpPr>
-          <p:cNvPr id="4" name="Tartalom helye 3">
-            <a:extLst>
-              <a:ext uri="{FF2B5EF4-FFF2-40B4-BE49-F238E27FC236}">
-                <a16:creationId xmlns:a16="http://schemas.microsoft.com/office/drawing/2014/main" id="{5A2C1150-C7A3-7464-54C8-2A2721ACA4AD}"/>
-              </a:ext>
-            </a:extLst>
-          </p:cNvPr>
+            <a:endParaRPr lang="en-US" dirty="0"/>
+          </a:p>
+        </p:txBody>
+      </p:sp>
+      <p:sp>
+        <p:nvSpPr>
+          <p:cNvPr id="4" name="Content Placeholder 3"/>
           <p:cNvSpPr>
             <a:spLocks noGrp="1"/>
           </p:cNvSpPr>
@@ -1336,13 +1539,49 @@
         </p:nvSpPr>
         <p:spPr>
           <a:xfrm>
-            <a:off x="6172200" y="1825625"/>
-            <a:ext cx="5181600" cy="4351338"/>
+            <a:off x="6525403" y="2285999"/>
+            <a:ext cx="4447786" cy="3581401"/>
           </a:xfrm>
         </p:spPr>
         <p:txBody>
           <a:bodyPr/>
-          <a:lstStyle/>
+          <a:lstStyle>
+            <a:lvl1pPr>
+              <a:defRPr>
+                <a:solidFill>
+                  <a:schemeClr val="tx2"/>
+                </a:solidFill>
+              </a:defRPr>
+            </a:lvl1pPr>
+            <a:lvl2pPr>
+              <a:defRPr>
+                <a:solidFill>
+                  <a:schemeClr val="tx2"/>
+                </a:solidFill>
+              </a:defRPr>
+            </a:lvl2pPr>
+            <a:lvl3pPr>
+              <a:defRPr>
+                <a:solidFill>
+                  <a:schemeClr val="tx2"/>
+                </a:solidFill>
+              </a:defRPr>
+            </a:lvl3pPr>
+            <a:lvl4pPr>
+              <a:defRPr>
+                <a:solidFill>
+                  <a:schemeClr val="tx2"/>
+                </a:solidFill>
+              </a:defRPr>
+            </a:lvl4pPr>
+            <a:lvl5pPr>
+              <a:defRPr>
+                <a:solidFill>
+                  <a:schemeClr val="tx2"/>
+                </a:solidFill>
+              </a:defRPr>
+            </a:lvl5pPr>
+          </a:lstStyle>
           <a:p>
             <a:pPr lvl="0"/>
             <a:r>
@@ -1377,18 +1616,13 @@
               <a:rPr lang="hu-HU"/>
               <a:t>Ötödik szint</a:t>
             </a:r>
-          </a:p>
-        </p:txBody>
-      </p:sp>
-      <p:sp>
-        <p:nvSpPr>
-          <p:cNvPr id="5" name="Dátum helye 4">
-            <a:extLst>
-              <a:ext uri="{FF2B5EF4-FFF2-40B4-BE49-F238E27FC236}">
-                <a16:creationId xmlns:a16="http://schemas.microsoft.com/office/drawing/2014/main" id="{77C698BB-220F-BF04-7A9F-75A823889C6A}"/>
-              </a:ext>
-            </a:extLst>
-          </p:cNvPr>
+            <a:endParaRPr lang="en-US" dirty="0"/>
+          </a:p>
+        </p:txBody>
+      </p:sp>
+      <p:sp>
+        <p:nvSpPr>
+          <p:cNvPr id="5" name="Date Placeholder 4"/>
           <p:cNvSpPr>
             <a:spLocks noGrp="1"/>
           </p:cNvSpPr>
@@ -1411,13 +1645,7 @@
       </p:sp>
       <p:sp>
         <p:nvSpPr>
-          <p:cNvPr id="6" name="Élőláb helye 5">
-            <a:extLst>
-              <a:ext uri="{FF2B5EF4-FFF2-40B4-BE49-F238E27FC236}">
-                <a16:creationId xmlns:a16="http://schemas.microsoft.com/office/drawing/2014/main" id="{321300D2-0D21-FCB0-6BDE-76FD83C0EF9D}"/>
-              </a:ext>
-            </a:extLst>
-          </p:cNvPr>
+          <p:cNvPr id="6" name="Footer Placeholder 5"/>
           <p:cNvSpPr>
             <a:spLocks noGrp="1"/>
           </p:cNvSpPr>
@@ -1436,13 +1664,7 @@
       </p:sp>
       <p:sp>
         <p:nvSpPr>
-          <p:cNvPr id="7" name="Dia számának helye 6">
-            <a:extLst>
-              <a:ext uri="{FF2B5EF4-FFF2-40B4-BE49-F238E27FC236}">
-                <a16:creationId xmlns:a16="http://schemas.microsoft.com/office/drawing/2014/main" id="{9B9ABD1A-F7E2-B9CE-67FB-ED8CA68ED59D}"/>
-              </a:ext>
-            </a:extLst>
-          </p:cNvPr>
+          <p:cNvPr id="7" name="Slide Number Placeholder 6"/>
           <p:cNvSpPr>
             <a:spLocks noGrp="1"/>
           </p:cNvSpPr>
@@ -1466,7 +1688,7 @@
     </p:spTree>
     <p:extLst>
       <p:ext uri="{BB962C8B-B14F-4D97-AF65-F5344CB8AC3E}">
-        <p14:creationId xmlns:p14="http://schemas.microsoft.com/office/powerpoint/2010/main" val="2097731668"/>
+        <p14:creationId xmlns:p14="http://schemas.microsoft.com/office/powerpoint/2010/main" val="469839787"/>
       </p:ext>
     </p:extLst>
   </p:cSld>
@@ -1495,13 +1717,7 @@
       </p:grpSpPr>
       <p:sp>
         <p:nvSpPr>
-          <p:cNvPr id="2" name="Cím 1">
-            <a:extLst>
-              <a:ext uri="{FF2B5EF4-FFF2-40B4-BE49-F238E27FC236}">
-                <a16:creationId xmlns:a16="http://schemas.microsoft.com/office/drawing/2014/main" id="{1E86A8A4-8E18-F935-3E41-CD70DED34A11}"/>
-              </a:ext>
-            </a:extLst>
-          </p:cNvPr>
+          <p:cNvPr id="2" name="Title 1"/>
           <p:cNvSpPr>
             <a:spLocks noGrp="1"/>
           </p:cNvSpPr>
@@ -1511,30 +1727,33 @@
         </p:nvSpPr>
         <p:spPr>
           <a:xfrm>
-            <a:off x="839788" y="365125"/>
-            <a:ext cx="10515600" cy="1325563"/>
+            <a:off x="1371600" y="685800"/>
+            <a:ext cx="9601200" cy="1485900"/>
           </a:xfrm>
         </p:spPr>
         <p:txBody>
           <a:bodyPr/>
-          <a:lstStyle/>
+          <a:lstStyle>
+            <a:lvl1pPr>
+              <a:defRPr>
+                <a:solidFill>
+                  <a:schemeClr val="tx2"/>
+                </a:solidFill>
+              </a:defRPr>
+            </a:lvl1pPr>
+          </a:lstStyle>
           <a:p>
             <a:r>
               <a:rPr lang="hu-HU"/>
               <a:t>Mintacím szerkesztése</a:t>
             </a:r>
-          </a:p>
-        </p:txBody>
-      </p:sp>
-      <p:sp>
-        <p:nvSpPr>
-          <p:cNvPr id="3" name="Szöveg helye 2">
-            <a:extLst>
-              <a:ext uri="{FF2B5EF4-FFF2-40B4-BE49-F238E27FC236}">
-                <a16:creationId xmlns:a16="http://schemas.microsoft.com/office/drawing/2014/main" id="{6C78E447-EE49-312F-4201-279BC339C80A}"/>
-              </a:ext>
-            </a:extLst>
-          </p:cNvPr>
+            <a:endParaRPr lang="en-US" dirty="0"/>
+          </a:p>
+        </p:txBody>
+      </p:sp>
+      <p:sp>
+        <p:nvSpPr>
+          <p:cNvPr id="3" name="Text Placeholder 2"/>
           <p:cNvSpPr>
             <a:spLocks noGrp="1"/>
           </p:cNvSpPr>
@@ -1544,16 +1763,31 @@
         </p:nvSpPr>
         <p:spPr>
           <a:xfrm>
-            <a:off x="839788" y="1681163"/>
-            <a:ext cx="5157787" cy="823912"/>
+            <a:off x="1371600" y="2340864"/>
+            <a:ext cx="4443984" cy="823912"/>
           </a:xfrm>
         </p:spPr>
         <p:txBody>
-          <a:bodyPr anchor="b"/>
+          <a:bodyPr anchor="b">
+            <a:noAutofit/>
+          </a:bodyPr>
           <a:lstStyle>
             <a:lvl1pPr marL="0" indent="0">
-              <a:buNone/>
-              <a:defRPr sz="2400" b="1"/>
+              <a:lnSpc>
+                <a:spcPct val="84000"/>
+              </a:lnSpc>
+              <a:spcBef>
+                <a:spcPts val="0"/>
+              </a:spcBef>
+              <a:spcAft>
+                <a:spcPts val="0"/>
+              </a:spcAft>
+              <a:buNone/>
+              <a:defRPr sz="3000" b="0" baseline="0">
+                <a:solidFill>
+                  <a:schemeClr val="tx2"/>
+                </a:solidFill>
+              </a:defRPr>
             </a:lvl1pPr>
             <a:lvl2pPr marL="457200" indent="0">
               <a:buNone/>
@@ -1599,13 +1833,7 @@
       </p:sp>
       <p:sp>
         <p:nvSpPr>
-          <p:cNvPr id="4" name="Tartalom helye 3">
-            <a:extLst>
-              <a:ext uri="{FF2B5EF4-FFF2-40B4-BE49-F238E27FC236}">
-                <a16:creationId xmlns:a16="http://schemas.microsoft.com/office/drawing/2014/main" id="{3D0641F4-D1B4-1391-7BEF-91AD82673F00}"/>
-              </a:ext>
-            </a:extLst>
-          </p:cNvPr>
+          <p:cNvPr id="4" name="Content Placeholder 3"/>
           <p:cNvSpPr>
             <a:spLocks noGrp="1"/>
           </p:cNvSpPr>
@@ -1615,13 +1843,49 @@
         </p:nvSpPr>
         <p:spPr>
           <a:xfrm>
-            <a:off x="839788" y="2505075"/>
-            <a:ext cx="5157787" cy="3684588"/>
+            <a:off x="1371600" y="3305207"/>
+            <a:ext cx="4443984" cy="2562193"/>
           </a:xfrm>
         </p:spPr>
         <p:txBody>
           <a:bodyPr/>
-          <a:lstStyle/>
+          <a:lstStyle>
+            <a:lvl1pPr>
+              <a:defRPr baseline="0">
+                <a:solidFill>
+                  <a:schemeClr val="tx2"/>
+                </a:solidFill>
+              </a:defRPr>
+            </a:lvl1pPr>
+            <a:lvl2pPr>
+              <a:defRPr baseline="0">
+                <a:solidFill>
+                  <a:schemeClr val="tx2"/>
+                </a:solidFill>
+              </a:defRPr>
+            </a:lvl2pPr>
+            <a:lvl3pPr>
+              <a:defRPr baseline="0">
+                <a:solidFill>
+                  <a:schemeClr val="tx2"/>
+                </a:solidFill>
+              </a:defRPr>
+            </a:lvl3pPr>
+            <a:lvl4pPr>
+              <a:defRPr baseline="0">
+                <a:solidFill>
+                  <a:schemeClr val="tx2"/>
+                </a:solidFill>
+              </a:defRPr>
+            </a:lvl4pPr>
+            <a:lvl5pPr>
+              <a:defRPr baseline="0">
+                <a:solidFill>
+                  <a:schemeClr val="tx2"/>
+                </a:solidFill>
+              </a:defRPr>
+            </a:lvl5pPr>
+          </a:lstStyle>
           <a:p>
             <a:pPr lvl="0"/>
             <a:r>
@@ -1656,18 +1920,13 @@
               <a:rPr lang="hu-HU"/>
               <a:t>Ötödik szint</a:t>
             </a:r>
-          </a:p>
-        </p:txBody>
-      </p:sp>
-      <p:sp>
-        <p:nvSpPr>
-          <p:cNvPr id="5" name="Szöveg helye 4">
-            <a:extLst>
-              <a:ext uri="{FF2B5EF4-FFF2-40B4-BE49-F238E27FC236}">
-                <a16:creationId xmlns:a16="http://schemas.microsoft.com/office/drawing/2014/main" id="{9A2BCC70-0C9A-FC3D-29D0-FA9668AB3CCA}"/>
-              </a:ext>
-            </a:extLst>
-          </p:cNvPr>
+            <a:endParaRPr lang="en-US" dirty="0"/>
+          </a:p>
+        </p:txBody>
+      </p:sp>
+      <p:sp>
+        <p:nvSpPr>
+          <p:cNvPr id="5" name="Text Placeholder 4"/>
           <p:cNvSpPr>
             <a:spLocks noGrp="1"/>
           </p:cNvSpPr>
@@ -1677,16 +1936,31 @@
         </p:nvSpPr>
         <p:spPr>
           <a:xfrm>
-            <a:off x="6172200" y="1681163"/>
-            <a:ext cx="5183188" cy="823912"/>
+            <a:off x="6525014" y="2340864"/>
+            <a:ext cx="4443984" cy="823912"/>
           </a:xfrm>
         </p:spPr>
         <p:txBody>
-          <a:bodyPr anchor="b"/>
+          <a:bodyPr anchor="b">
+            <a:noAutofit/>
+          </a:bodyPr>
           <a:lstStyle>
             <a:lvl1pPr marL="0" indent="0">
-              <a:buNone/>
-              <a:defRPr sz="2400" b="1"/>
+              <a:lnSpc>
+                <a:spcPct val="84000"/>
+              </a:lnSpc>
+              <a:spcBef>
+                <a:spcPts val="0"/>
+              </a:spcBef>
+              <a:spcAft>
+                <a:spcPts val="0"/>
+              </a:spcAft>
+              <a:buNone/>
+              <a:defRPr sz="3000" b="0" baseline="0">
+                <a:solidFill>
+                  <a:schemeClr val="tx2"/>
+                </a:solidFill>
+              </a:defRPr>
             </a:lvl1pPr>
             <a:lvl2pPr marL="457200" indent="0">
               <a:buNone/>
@@ -1732,13 +2006,7 @@
       </p:sp>
       <p:sp>
         <p:nvSpPr>
-          <p:cNvPr id="6" name="Tartalom helye 5">
-            <a:extLst>
-              <a:ext uri="{FF2B5EF4-FFF2-40B4-BE49-F238E27FC236}">
-                <a16:creationId xmlns:a16="http://schemas.microsoft.com/office/drawing/2014/main" id="{A92EDCF9-D4A4-F925-87DB-5AC3B0BA1D32}"/>
-              </a:ext>
-            </a:extLst>
-          </p:cNvPr>
+          <p:cNvPr id="6" name="Content Placeholder 5"/>
           <p:cNvSpPr>
             <a:spLocks noGrp="1"/>
           </p:cNvSpPr>
@@ -1748,13 +2016,49 @@
         </p:nvSpPr>
         <p:spPr>
           <a:xfrm>
-            <a:off x="6172200" y="2505075"/>
-            <a:ext cx="5183188" cy="3684588"/>
+            <a:off x="6525014" y="3305207"/>
+            <a:ext cx="4443984" cy="2562193"/>
           </a:xfrm>
         </p:spPr>
         <p:txBody>
           <a:bodyPr/>
-          <a:lstStyle/>
+          <a:lstStyle>
+            <a:lvl1pPr>
+              <a:defRPr baseline="0">
+                <a:solidFill>
+                  <a:schemeClr val="tx2"/>
+                </a:solidFill>
+              </a:defRPr>
+            </a:lvl1pPr>
+            <a:lvl2pPr>
+              <a:defRPr baseline="0">
+                <a:solidFill>
+                  <a:schemeClr val="tx2"/>
+                </a:solidFill>
+              </a:defRPr>
+            </a:lvl2pPr>
+            <a:lvl3pPr>
+              <a:defRPr baseline="0">
+                <a:solidFill>
+                  <a:schemeClr val="tx2"/>
+                </a:solidFill>
+              </a:defRPr>
+            </a:lvl3pPr>
+            <a:lvl4pPr>
+              <a:defRPr baseline="0">
+                <a:solidFill>
+                  <a:schemeClr val="tx2"/>
+                </a:solidFill>
+              </a:defRPr>
+            </a:lvl4pPr>
+            <a:lvl5pPr>
+              <a:defRPr baseline="0">
+                <a:solidFill>
+                  <a:schemeClr val="tx2"/>
+                </a:solidFill>
+              </a:defRPr>
+            </a:lvl5pPr>
+          </a:lstStyle>
           <a:p>
             <a:pPr lvl="0"/>
             <a:r>
@@ -1789,18 +2093,13 @@
               <a:rPr lang="hu-HU"/>
               <a:t>Ötödik szint</a:t>
             </a:r>
-          </a:p>
-        </p:txBody>
-      </p:sp>
-      <p:sp>
-        <p:nvSpPr>
-          <p:cNvPr id="7" name="Dátum helye 6">
-            <a:extLst>
-              <a:ext uri="{FF2B5EF4-FFF2-40B4-BE49-F238E27FC236}">
-                <a16:creationId xmlns:a16="http://schemas.microsoft.com/office/drawing/2014/main" id="{A48581E2-75F5-7F48-094E-AB985F0A4295}"/>
-              </a:ext>
-            </a:extLst>
-          </p:cNvPr>
+            <a:endParaRPr lang="en-US" dirty="0"/>
+          </a:p>
+        </p:txBody>
+      </p:sp>
+      <p:sp>
+        <p:nvSpPr>
+          <p:cNvPr id="7" name="Date Placeholder 6"/>
           <p:cNvSpPr>
             <a:spLocks noGrp="1"/>
           </p:cNvSpPr>
@@ -1823,13 +2122,7 @@
       </p:sp>
       <p:sp>
         <p:nvSpPr>
-          <p:cNvPr id="8" name="Élőláb helye 7">
-            <a:extLst>
-              <a:ext uri="{FF2B5EF4-FFF2-40B4-BE49-F238E27FC236}">
-                <a16:creationId xmlns:a16="http://schemas.microsoft.com/office/drawing/2014/main" id="{87F5A7A0-1453-AA88-581D-155BA1F667ED}"/>
-              </a:ext>
-            </a:extLst>
-          </p:cNvPr>
+          <p:cNvPr id="8" name="Footer Placeholder 7"/>
           <p:cNvSpPr>
             <a:spLocks noGrp="1"/>
           </p:cNvSpPr>
@@ -1848,13 +2141,7 @@
       </p:sp>
       <p:sp>
         <p:nvSpPr>
-          <p:cNvPr id="9" name="Dia számának helye 8">
-            <a:extLst>
-              <a:ext uri="{FF2B5EF4-FFF2-40B4-BE49-F238E27FC236}">
-                <a16:creationId xmlns:a16="http://schemas.microsoft.com/office/drawing/2014/main" id="{2C346359-2CB6-5481-4D49-733EDBD7F3C9}"/>
-              </a:ext>
-            </a:extLst>
-          </p:cNvPr>
+          <p:cNvPr id="9" name="Slide Number Placeholder 8"/>
           <p:cNvSpPr>
             <a:spLocks noGrp="1"/>
           </p:cNvSpPr>
@@ -1878,7 +2165,7 @@
     </p:spTree>
     <p:extLst>
       <p:ext uri="{BB962C8B-B14F-4D97-AF65-F5344CB8AC3E}">
-        <p14:creationId xmlns:p14="http://schemas.microsoft.com/office/powerpoint/2010/main" val="2003401238"/>
+        <p14:creationId xmlns:p14="http://schemas.microsoft.com/office/powerpoint/2010/main" val="693854717"/>
       </p:ext>
     </p:extLst>
   </p:cSld>
@@ -1907,13 +2194,7 @@
       </p:grpSpPr>
       <p:sp>
         <p:nvSpPr>
-          <p:cNvPr id="2" name="Cím 1">
-            <a:extLst>
-              <a:ext uri="{FF2B5EF4-FFF2-40B4-BE49-F238E27FC236}">
-                <a16:creationId xmlns:a16="http://schemas.microsoft.com/office/drawing/2014/main" id="{6F67643B-E468-33D3-CD8F-68E472890EC9}"/>
-              </a:ext>
-            </a:extLst>
-          </p:cNvPr>
+          <p:cNvPr id="2" name="Title 1"/>
           <p:cNvSpPr>
             <a:spLocks noGrp="1"/>
           </p:cNvSpPr>
@@ -1930,18 +2211,13 @@
               <a:rPr lang="hu-HU"/>
               <a:t>Mintacím szerkesztése</a:t>
             </a:r>
-          </a:p>
-        </p:txBody>
-      </p:sp>
-      <p:sp>
-        <p:nvSpPr>
-          <p:cNvPr id="3" name="Dátum helye 2">
-            <a:extLst>
-              <a:ext uri="{FF2B5EF4-FFF2-40B4-BE49-F238E27FC236}">
-                <a16:creationId xmlns:a16="http://schemas.microsoft.com/office/drawing/2014/main" id="{35254E11-BBE4-1479-83B2-5339EB173D44}"/>
-              </a:ext>
-            </a:extLst>
-          </p:cNvPr>
+            <a:endParaRPr lang="en-US" dirty="0"/>
+          </a:p>
+        </p:txBody>
+      </p:sp>
+      <p:sp>
+        <p:nvSpPr>
+          <p:cNvPr id="3" name="Date Placeholder 2"/>
           <p:cNvSpPr>
             <a:spLocks noGrp="1"/>
           </p:cNvSpPr>
@@ -1964,13 +2240,7 @@
       </p:sp>
       <p:sp>
         <p:nvSpPr>
-          <p:cNvPr id="4" name="Élőláb helye 3">
-            <a:extLst>
-              <a:ext uri="{FF2B5EF4-FFF2-40B4-BE49-F238E27FC236}">
-                <a16:creationId xmlns:a16="http://schemas.microsoft.com/office/drawing/2014/main" id="{C2D63B9E-AE63-CB1E-7A4F-13ECFF147CCA}"/>
-              </a:ext>
-            </a:extLst>
-          </p:cNvPr>
+          <p:cNvPr id="4" name="Footer Placeholder 3"/>
           <p:cNvSpPr>
             <a:spLocks noGrp="1"/>
           </p:cNvSpPr>
@@ -1989,13 +2259,7 @@
       </p:sp>
       <p:sp>
         <p:nvSpPr>
-          <p:cNvPr id="5" name="Dia számának helye 4">
-            <a:extLst>
-              <a:ext uri="{FF2B5EF4-FFF2-40B4-BE49-F238E27FC236}">
-                <a16:creationId xmlns:a16="http://schemas.microsoft.com/office/drawing/2014/main" id="{2E9DB373-D0F2-8884-55E9-7A004FCF9F03}"/>
-              </a:ext>
-            </a:extLst>
-          </p:cNvPr>
+          <p:cNvPr id="5" name="Slide Number Placeholder 4"/>
           <p:cNvSpPr>
             <a:spLocks noGrp="1"/>
           </p:cNvSpPr>
@@ -2019,7 +2283,7 @@
     </p:spTree>
     <p:extLst>
       <p:ext uri="{BB962C8B-B14F-4D97-AF65-F5344CB8AC3E}">
-        <p14:creationId xmlns:p14="http://schemas.microsoft.com/office/powerpoint/2010/main" val="2719934277"/>
+        <p14:creationId xmlns:p14="http://schemas.microsoft.com/office/powerpoint/2010/main" val="3576807094"/>
       </p:ext>
     </p:extLst>
   </p:cSld>
@@ -2048,13 +2312,7 @@
       </p:grpSpPr>
       <p:sp>
         <p:nvSpPr>
-          <p:cNvPr id="2" name="Dátum helye 1">
-            <a:extLst>
-              <a:ext uri="{FF2B5EF4-FFF2-40B4-BE49-F238E27FC236}">
-                <a16:creationId xmlns:a16="http://schemas.microsoft.com/office/drawing/2014/main" id="{E19A01F9-F4B8-C979-958B-E0480A11ADA6}"/>
-              </a:ext>
-            </a:extLst>
-          </p:cNvPr>
+          <p:cNvPr id="2" name="Date Placeholder 1"/>
           <p:cNvSpPr>
             <a:spLocks noGrp="1"/>
           </p:cNvSpPr>
@@ -2077,13 +2335,7 @@
       </p:sp>
       <p:sp>
         <p:nvSpPr>
-          <p:cNvPr id="3" name="Élőláb helye 2">
-            <a:extLst>
-              <a:ext uri="{FF2B5EF4-FFF2-40B4-BE49-F238E27FC236}">
-                <a16:creationId xmlns:a16="http://schemas.microsoft.com/office/drawing/2014/main" id="{AB4448F0-68F0-46C3-4B44-F363BAA5218A}"/>
-              </a:ext>
-            </a:extLst>
-          </p:cNvPr>
+          <p:cNvPr id="3" name="Footer Placeholder 2"/>
           <p:cNvSpPr>
             <a:spLocks noGrp="1"/>
           </p:cNvSpPr>
@@ -2102,13 +2354,7 @@
       </p:sp>
       <p:sp>
         <p:nvSpPr>
-          <p:cNvPr id="4" name="Dia számának helye 3">
-            <a:extLst>
-              <a:ext uri="{FF2B5EF4-FFF2-40B4-BE49-F238E27FC236}">
-                <a16:creationId xmlns:a16="http://schemas.microsoft.com/office/drawing/2014/main" id="{E415EE96-20A6-E40C-2296-62C72B1A7494}"/>
-              </a:ext>
-            </a:extLst>
-          </p:cNvPr>
+          <p:cNvPr id="4" name="Slide Number Placeholder 3"/>
           <p:cNvSpPr>
             <a:spLocks noGrp="1"/>
           </p:cNvSpPr>
@@ -2132,7 +2378,7 @@
     </p:spTree>
     <p:extLst>
       <p:ext uri="{BB962C8B-B14F-4D97-AF65-F5344CB8AC3E}">
-        <p14:creationId xmlns:p14="http://schemas.microsoft.com/office/powerpoint/2010/main" val="97400858"/>
+        <p14:creationId xmlns:p14="http://schemas.microsoft.com/office/powerpoint/2010/main" val="3916073052"/>
       </p:ext>
     </p:extLst>
   </p:cSld>
@@ -2143,7 +2389,7 @@
 </file>
 
 <file path=ppt/slideLayouts/slideLayout8.xml><?xml version="1.0" encoding="utf-8"?>
-<p:sldLayout xmlns:a="http://schemas.openxmlformats.org/drawingml/2006/main" xmlns:r="http://schemas.openxmlformats.org/officeDocument/2006/relationships" xmlns:p="http://schemas.openxmlformats.org/presentationml/2006/main" type="objTx" preserve="1">
+<p:sldLayout xmlns:a="http://schemas.openxmlformats.org/drawingml/2006/main" xmlns:r="http://schemas.openxmlformats.org/officeDocument/2006/relationships" xmlns:p="http://schemas.openxmlformats.org/presentationml/2006/main" showMasterSp="0" type="objTx" preserve="1">
   <p:cSld name="Tartalomrész képaláírással">
     <p:spTree>
       <p:nvGrpSpPr>
@@ -2161,31 +2407,72 @@
       </p:grpSpPr>
       <p:sp>
         <p:nvSpPr>
-          <p:cNvPr id="2" name="Cím 1">
-            <a:extLst>
-              <a:ext uri="{FF2B5EF4-FFF2-40B4-BE49-F238E27FC236}">
-                <a16:creationId xmlns:a16="http://schemas.microsoft.com/office/drawing/2014/main" id="{EAB73D61-8F17-E625-1C6A-3623C6353474}"/>
-              </a:ext>
-            </a:extLst>
-          </p:cNvPr>
-          <p:cNvSpPr>
-            <a:spLocks noGrp="1"/>
-          </p:cNvSpPr>
-          <p:nvPr>
-            <p:ph type="title"/>
-          </p:nvPr>
+          <p:cNvPr id="8" name="Rectangle 7" title="Background Shape"/>
+          <p:cNvSpPr/>
+          <p:nvPr/>
         </p:nvSpPr>
         <p:spPr>
           <a:xfrm>
-            <a:off x="839788" y="457200"/>
-            <a:ext cx="3932237" cy="1600200"/>
+            <a:off x="0" y="376"/>
+            <a:ext cx="5303520" cy="6857624"/>
+          </a:xfrm>
+          <a:prstGeom prst="rect">
+            <a:avLst/>
+          </a:prstGeom>
+          <a:solidFill>
+            <a:schemeClr val="accent1"/>
+          </a:solidFill>
+          <a:ln>
+            <a:noFill/>
+          </a:ln>
+        </p:spPr>
+        <p:style>
+          <a:lnRef idx="2">
+            <a:schemeClr val="accent1">
+              <a:shade val="50000"/>
+            </a:schemeClr>
+          </a:lnRef>
+          <a:fillRef idx="1">
+            <a:schemeClr val="accent1"/>
+          </a:fillRef>
+          <a:effectRef idx="0">
+            <a:schemeClr val="accent1"/>
+          </a:effectRef>
+          <a:fontRef idx="minor">
+            <a:schemeClr val="lt1"/>
+          </a:fontRef>
+        </p:style>
+      </p:sp>
+      <p:sp>
+        <p:nvSpPr>
+          <p:cNvPr id="2" name="Title 1"/>
+          <p:cNvSpPr>
+            <a:spLocks noGrp="1"/>
+          </p:cNvSpPr>
+          <p:nvPr>
+            <p:ph type="title"/>
+          </p:nvPr>
+        </p:nvSpPr>
+        <p:spPr>
+          <a:xfrm>
+            <a:off x="723900" y="685800"/>
+            <a:ext cx="3855720" cy="2157884"/>
           </a:xfrm>
         </p:spPr>
         <p:txBody>
-          <a:bodyPr anchor="b"/>
+          <a:bodyPr anchor="t">
+            <a:noAutofit/>
+          </a:bodyPr>
           <a:lstStyle>
             <a:lvl1pPr>
-              <a:defRPr sz="3200"/>
+              <a:lnSpc>
+                <a:spcPct val="84000"/>
+              </a:lnSpc>
+              <a:defRPr sz="4800" baseline="0">
+                <a:solidFill>
+                  <a:schemeClr val="tx2"/>
+                </a:solidFill>
+              </a:defRPr>
             </a:lvl1pPr>
           </a:lstStyle>
           <a:p>
@@ -2193,18 +2480,13 @@
               <a:rPr lang="hu-HU"/>
               <a:t>Mintacím szerkesztése</a:t>
             </a:r>
-          </a:p>
-        </p:txBody>
-      </p:sp>
-      <p:sp>
-        <p:nvSpPr>
-          <p:cNvPr id="3" name="Tartalom helye 2">
-            <a:extLst>
-              <a:ext uri="{FF2B5EF4-FFF2-40B4-BE49-F238E27FC236}">
-                <a16:creationId xmlns:a16="http://schemas.microsoft.com/office/drawing/2014/main" id="{795307C0-E2B8-9A2E-89E0-CAADD3F70232}"/>
-              </a:ext>
-            </a:extLst>
-          </p:cNvPr>
+            <a:endParaRPr lang="en-US" dirty="0"/>
+          </a:p>
+        </p:txBody>
+      </p:sp>
+      <p:sp>
+        <p:nvSpPr>
+          <p:cNvPr id="3" name="Content Placeholder 2"/>
           <p:cNvSpPr>
             <a:spLocks noGrp="1"/>
           </p:cNvSpPr>
@@ -2214,39 +2496,39 @@
         </p:nvSpPr>
         <p:spPr>
           <a:xfrm>
-            <a:off x="5183188" y="987425"/>
-            <a:ext cx="6172200" cy="4873625"/>
+            <a:off x="6256020" y="685801"/>
+            <a:ext cx="5212080" cy="5175250"/>
           </a:xfrm>
         </p:spPr>
         <p:txBody>
           <a:bodyPr/>
           <a:lstStyle>
             <a:lvl1pPr>
-              <a:defRPr sz="3200"/>
+              <a:defRPr sz="2000"/>
             </a:lvl1pPr>
             <a:lvl2pPr>
-              <a:defRPr sz="2800"/>
+              <a:defRPr sz="2000"/>
             </a:lvl2pPr>
             <a:lvl3pPr>
-              <a:defRPr sz="2400"/>
+              <a:defRPr sz="1800"/>
             </a:lvl3pPr>
             <a:lvl4pPr>
-              <a:defRPr sz="2000"/>
+              <a:defRPr sz="1800"/>
             </a:lvl4pPr>
             <a:lvl5pPr>
-              <a:defRPr sz="2000"/>
+              <a:defRPr sz="1600"/>
             </a:lvl5pPr>
             <a:lvl6pPr>
-              <a:defRPr sz="2000"/>
+              <a:defRPr sz="1600"/>
             </a:lvl6pPr>
             <a:lvl7pPr>
-              <a:defRPr sz="2000"/>
+              <a:defRPr sz="1600"/>
             </a:lvl7pPr>
             <a:lvl8pPr>
-              <a:defRPr sz="2000"/>
+              <a:defRPr sz="1600"/>
             </a:lvl8pPr>
             <a:lvl9pPr>
-              <a:defRPr sz="2000"/>
+              <a:defRPr sz="1600"/>
             </a:lvl9pPr>
           </a:lstStyle>
           <a:p>
@@ -2283,18 +2565,13 @@
               <a:rPr lang="hu-HU"/>
               <a:t>Ötödik szint</a:t>
             </a:r>
-          </a:p>
-        </p:txBody>
-      </p:sp>
-      <p:sp>
-        <p:nvSpPr>
-          <p:cNvPr id="4" name="Szöveg helye 3">
-            <a:extLst>
-              <a:ext uri="{FF2B5EF4-FFF2-40B4-BE49-F238E27FC236}">
-                <a16:creationId xmlns:a16="http://schemas.microsoft.com/office/drawing/2014/main" id="{9CB7DE9B-E5E4-0E6D-88A7-933A58DFAB31}"/>
-              </a:ext>
-            </a:extLst>
-          </p:cNvPr>
+            <a:endParaRPr lang="en-US" dirty="0"/>
+          </a:p>
+        </p:txBody>
+      </p:sp>
+      <p:sp>
+        <p:nvSpPr>
+          <p:cNvPr id="4" name="Text Placeholder 3"/>
           <p:cNvSpPr>
             <a:spLocks noGrp="1"/>
           </p:cNvSpPr>
@@ -2304,14 +2581,23 @@
         </p:nvSpPr>
         <p:spPr>
           <a:xfrm>
-            <a:off x="839788" y="2057400"/>
-            <a:ext cx="3932237" cy="3811588"/>
+            <a:off x="723900" y="2856344"/>
+            <a:ext cx="3855720" cy="3011056"/>
           </a:xfrm>
         </p:spPr>
         <p:txBody>
           <a:bodyPr/>
           <a:lstStyle>
             <a:lvl1pPr marL="0" indent="0">
+              <a:lnSpc>
+                <a:spcPct val="113000"/>
+              </a:lnSpc>
+              <a:spcBef>
+                <a:spcPts val="0"/>
+              </a:spcBef>
+              <a:spcAft>
+                <a:spcPts val="1500"/>
+              </a:spcAft>
               <a:buNone/>
               <a:defRPr sz="1600"/>
             </a:lvl1pPr>
@@ -2359,13 +2645,7 @@
       </p:sp>
       <p:sp>
         <p:nvSpPr>
-          <p:cNvPr id="5" name="Dátum helye 4">
-            <a:extLst>
-              <a:ext uri="{FF2B5EF4-FFF2-40B4-BE49-F238E27FC236}">
-                <a16:creationId xmlns:a16="http://schemas.microsoft.com/office/drawing/2014/main" id="{07DAE47E-2C11-D683-0454-50306562F9D8}"/>
-              </a:ext>
-            </a:extLst>
-          </p:cNvPr>
+          <p:cNvPr id="5" name="Date Placeholder 4"/>
           <p:cNvSpPr>
             <a:spLocks noGrp="1"/>
           </p:cNvSpPr>
@@ -2373,10 +2653,23 @@
             <p:ph type="dt" sz="half" idx="10"/>
           </p:nvPr>
         </p:nvSpPr>
-        <p:spPr/>
+        <p:spPr>
+          <a:xfrm>
+            <a:off x="723900" y="6453386"/>
+            <a:ext cx="1204572" cy="404614"/>
+          </a:xfrm>
+        </p:spPr>
         <p:txBody>
           <a:bodyPr/>
-          <a:lstStyle/>
+          <a:lstStyle>
+            <a:lvl1pPr>
+              <a:defRPr>
+                <a:solidFill>
+                  <a:schemeClr val="tx2"/>
+                </a:solidFill>
+              </a:defRPr>
+            </a:lvl1pPr>
+          </a:lstStyle>
           <a:p>
             <a:fld id="{EDD659E1-ECCE-4A0B-8786-40BE2BC7E967}" type="datetimeFigureOut">
               <a:rPr lang="hu-HU" smtClean="0"/>
@@ -2388,13 +2681,7 @@
       </p:sp>
       <p:sp>
         <p:nvSpPr>
-          <p:cNvPr id="6" name="Élőláb helye 5">
-            <a:extLst>
-              <a:ext uri="{FF2B5EF4-FFF2-40B4-BE49-F238E27FC236}">
-                <a16:creationId xmlns:a16="http://schemas.microsoft.com/office/drawing/2014/main" id="{96BF90CD-60C7-907F-796D-5E1504C35952}"/>
-              </a:ext>
-            </a:extLst>
-          </p:cNvPr>
+          <p:cNvPr id="6" name="Footer Placeholder 5"/>
           <p:cNvSpPr>
             <a:spLocks noGrp="1"/>
           </p:cNvSpPr>
@@ -2402,10 +2689,23 @@
             <p:ph type="ftr" sz="quarter" idx="11"/>
           </p:nvPr>
         </p:nvSpPr>
-        <p:spPr/>
+        <p:spPr>
+          <a:xfrm>
+            <a:off x="2205945" y="6453386"/>
+            <a:ext cx="2373675" cy="404614"/>
+          </a:xfrm>
+        </p:spPr>
         <p:txBody>
           <a:bodyPr/>
-          <a:lstStyle/>
+          <a:lstStyle>
+            <a:lvl1pPr>
+              <a:defRPr>
+                <a:solidFill>
+                  <a:schemeClr val="tx2"/>
+                </a:solidFill>
+              </a:defRPr>
+            </a:lvl1pPr>
+          </a:lstStyle>
           <a:p>
             <a:endParaRPr lang="hu-HU"/>
           </a:p>
@@ -2413,13 +2713,7 @@
       </p:sp>
       <p:sp>
         <p:nvSpPr>
-          <p:cNvPr id="7" name="Dia számának helye 6">
-            <a:extLst>
-              <a:ext uri="{FF2B5EF4-FFF2-40B4-BE49-F238E27FC236}">
-                <a16:creationId xmlns:a16="http://schemas.microsoft.com/office/drawing/2014/main" id="{02A60617-6CDF-9CA1-F78E-FE4F5DD8CB92}"/>
-              </a:ext>
-            </a:extLst>
-          </p:cNvPr>
+          <p:cNvPr id="7" name="Slide Number Placeholder 6"/>
           <p:cNvSpPr>
             <a:spLocks noGrp="1"/>
           </p:cNvSpPr>
@@ -2427,10 +2721,23 @@
             <p:ph type="sldNum" sz="quarter" idx="12"/>
           </p:nvPr>
         </p:nvSpPr>
-        <p:spPr/>
+        <p:spPr>
+          <a:xfrm>
+            <a:off x="9883140" y="6453386"/>
+            <a:ext cx="1596292" cy="404614"/>
+          </a:xfrm>
+        </p:spPr>
         <p:txBody>
           <a:bodyPr/>
-          <a:lstStyle/>
+          <a:lstStyle>
+            <a:lvl1pPr>
+              <a:defRPr>
+                <a:solidFill>
+                  <a:schemeClr val="tx2"/>
+                </a:solidFill>
+              </a:defRPr>
+            </a:lvl1pPr>
+          </a:lstStyle>
           <a:p>
             <a:fld id="{79E25113-C54C-4B86-B6FA-10CF56199640}" type="slidenum">
               <a:rPr lang="hu-HU" smtClean="0"/>
@@ -2440,10 +2747,48 @@
           </a:p>
         </p:txBody>
       </p:sp>
+      <p:sp>
+        <p:nvSpPr>
+          <p:cNvPr id="9" name="Rectangle 8" title="Divider Bar"/>
+          <p:cNvSpPr/>
+          <p:nvPr/>
+        </p:nvSpPr>
+        <p:spPr>
+          <a:xfrm>
+            <a:off x="5303520" y="376"/>
+            <a:ext cx="228600" cy="6858000"/>
+          </a:xfrm>
+          <a:prstGeom prst="rect">
+            <a:avLst/>
+          </a:prstGeom>
+          <a:solidFill>
+            <a:schemeClr val="tx2"/>
+          </a:solidFill>
+          <a:ln>
+            <a:noFill/>
+          </a:ln>
+        </p:spPr>
+        <p:style>
+          <a:lnRef idx="2">
+            <a:schemeClr val="accent1">
+              <a:shade val="50000"/>
+            </a:schemeClr>
+          </a:lnRef>
+          <a:fillRef idx="1">
+            <a:schemeClr val="accent1"/>
+          </a:fillRef>
+          <a:effectRef idx="0">
+            <a:schemeClr val="accent1"/>
+          </a:effectRef>
+          <a:fontRef idx="minor">
+            <a:schemeClr val="lt1"/>
+          </a:fontRef>
+        </p:style>
+      </p:sp>
     </p:spTree>
     <p:extLst>
       <p:ext uri="{BB962C8B-B14F-4D97-AF65-F5344CB8AC3E}">
-        <p14:creationId xmlns:p14="http://schemas.microsoft.com/office/powerpoint/2010/main" val="3439974334"/>
+        <p14:creationId xmlns:p14="http://schemas.microsoft.com/office/powerpoint/2010/main" val="2470217625"/>
       </p:ext>
     </p:extLst>
   </p:cSld>
@@ -2454,7 +2799,7 @@
 </file>
 
 <file path=ppt/slideLayouts/slideLayout9.xml><?xml version="1.0" encoding="utf-8"?>
-<p:sldLayout xmlns:a="http://schemas.openxmlformats.org/drawingml/2006/main" xmlns:r="http://schemas.openxmlformats.org/officeDocument/2006/relationships" xmlns:p="http://schemas.openxmlformats.org/presentationml/2006/main" type="picTx" preserve="1">
+<p:sldLayout xmlns:a="http://schemas.openxmlformats.org/drawingml/2006/main" xmlns:r="http://schemas.openxmlformats.org/officeDocument/2006/relationships" xmlns:p="http://schemas.openxmlformats.org/presentationml/2006/main" showMasterSp="0" type="picTx" preserve="1">
   <p:cSld name="Kép képaláírással">
     <p:spTree>
       <p:nvGrpSpPr>
@@ -2472,31 +2817,68 @@
       </p:grpSpPr>
       <p:sp>
         <p:nvSpPr>
-          <p:cNvPr id="2" name="Cím 1">
-            <a:extLst>
-              <a:ext uri="{FF2B5EF4-FFF2-40B4-BE49-F238E27FC236}">
-                <a16:creationId xmlns:a16="http://schemas.microsoft.com/office/drawing/2014/main" id="{7867052F-661E-94B0-5195-A06621D8BFC2}"/>
-              </a:ext>
-            </a:extLst>
-          </p:cNvPr>
-          <p:cNvSpPr>
-            <a:spLocks noGrp="1"/>
-          </p:cNvSpPr>
-          <p:nvPr>
-            <p:ph type="title"/>
-          </p:nvPr>
+          <p:cNvPr id="8" name="Rectangle 7" title="Background Shape"/>
+          <p:cNvSpPr/>
+          <p:nvPr/>
         </p:nvSpPr>
         <p:spPr>
           <a:xfrm>
-            <a:off x="839788" y="457200"/>
-            <a:ext cx="3932237" cy="1600200"/>
+            <a:off x="0" y="376"/>
+            <a:ext cx="5303520" cy="6857624"/>
+          </a:xfrm>
+          <a:prstGeom prst="rect">
+            <a:avLst/>
+          </a:prstGeom>
+          <a:solidFill>
+            <a:schemeClr val="accent1"/>
+          </a:solidFill>
+          <a:ln>
+            <a:noFill/>
+          </a:ln>
+        </p:spPr>
+        <p:style>
+          <a:lnRef idx="2">
+            <a:schemeClr val="accent1">
+              <a:shade val="50000"/>
+            </a:schemeClr>
+          </a:lnRef>
+          <a:fillRef idx="1">
+            <a:schemeClr val="accent1"/>
+          </a:fillRef>
+          <a:effectRef idx="0">
+            <a:schemeClr val="accent1"/>
+          </a:effectRef>
+          <a:fontRef idx="minor">
+            <a:schemeClr val="lt1"/>
+          </a:fontRef>
+        </p:style>
+      </p:sp>
+      <p:sp>
+        <p:nvSpPr>
+          <p:cNvPr id="2" name="Title 1"/>
+          <p:cNvSpPr>
+            <a:spLocks noGrp="1"/>
+          </p:cNvSpPr>
+          <p:nvPr>
+            <p:ph type="title"/>
+          </p:nvPr>
+        </p:nvSpPr>
+        <p:spPr>
+          <a:xfrm>
+            <a:off x="723900" y="685800"/>
+            <a:ext cx="3855720" cy="2157884"/>
           </a:xfrm>
         </p:spPr>
         <p:txBody>
-          <a:bodyPr anchor="b"/>
+          <a:bodyPr anchor="t">
+            <a:normAutofit/>
+          </a:bodyPr>
           <a:lstStyle>
             <a:lvl1pPr>
-              <a:defRPr sz="3200"/>
+              <a:lnSpc>
+                <a:spcPct val="84000"/>
+              </a:lnSpc>
+              <a:defRPr sz="4800" baseline="0"/>
             </a:lvl1pPr>
           </a:lstStyle>
           <a:p>
@@ -2504,20 +2886,15 @@
               <a:rPr lang="hu-HU"/>
               <a:t>Mintacím szerkesztése</a:t>
             </a:r>
-          </a:p>
-        </p:txBody>
-      </p:sp>
-      <p:sp>
-        <p:nvSpPr>
-          <p:cNvPr id="3" name="Kép helye 2">
-            <a:extLst>
-              <a:ext uri="{FF2B5EF4-FFF2-40B4-BE49-F238E27FC236}">
-                <a16:creationId xmlns:a16="http://schemas.microsoft.com/office/drawing/2014/main" id="{1CC6CAEB-1640-8397-E938-560057A6B3F9}"/>
-              </a:ext>
-            </a:extLst>
-          </p:cNvPr>
-          <p:cNvSpPr>
-            <a:spLocks noGrp="1"/>
+            <a:endParaRPr lang="en-US" dirty="0"/>
+          </a:p>
+        </p:txBody>
+      </p:sp>
+      <p:sp>
+        <p:nvSpPr>
+          <p:cNvPr id="3" name="Picture Placeholder 2"/>
+          <p:cNvSpPr>
+            <a:spLocks noGrp="1" noChangeAspect="1"/>
           </p:cNvSpPr>
           <p:nvPr>
             <p:ph type="pic" idx="1"/>
@@ -2525,81 +2902,90 @@
         </p:nvSpPr>
         <p:spPr>
           <a:xfrm>
-            <a:off x="5183188" y="987425"/>
-            <a:ext cx="6172200" cy="4873625"/>
+            <a:off x="5532120" y="0"/>
+            <a:ext cx="6659880" cy="6857999"/>
+          </a:xfrm>
+        </p:spPr>
+        <p:txBody>
+          <a:bodyPr anchor="t">
+            <a:normAutofit/>
+          </a:bodyPr>
+          <a:lstStyle>
+            <a:lvl1pPr marL="0" indent="0">
+              <a:buNone/>
+              <a:defRPr sz="2000"/>
+            </a:lvl1pPr>
+            <a:lvl2pPr marL="457200" indent="0">
+              <a:buNone/>
+              <a:defRPr sz="2000"/>
+            </a:lvl2pPr>
+            <a:lvl3pPr marL="914400" indent="0">
+              <a:buNone/>
+              <a:defRPr sz="2000"/>
+            </a:lvl3pPr>
+            <a:lvl4pPr marL="1371600" indent="0">
+              <a:buNone/>
+              <a:defRPr sz="2000"/>
+            </a:lvl4pPr>
+            <a:lvl5pPr marL="1828800" indent="0">
+              <a:buNone/>
+              <a:defRPr sz="2000"/>
+            </a:lvl5pPr>
+            <a:lvl6pPr marL="2286000" indent="0">
+              <a:buNone/>
+              <a:defRPr sz="2000"/>
+            </a:lvl6pPr>
+            <a:lvl7pPr marL="2743200" indent="0">
+              <a:buNone/>
+              <a:defRPr sz="2000"/>
+            </a:lvl7pPr>
+            <a:lvl8pPr marL="3200400" indent="0">
+              <a:buNone/>
+              <a:defRPr sz="2000"/>
+            </a:lvl8pPr>
+            <a:lvl9pPr marL="3657600" indent="0">
+              <a:buNone/>
+              <a:defRPr sz="2000"/>
+            </a:lvl9pPr>
+          </a:lstStyle>
+          <a:p>
+            <a:r>
+              <a:rPr lang="hu-HU"/>
+              <a:t>Kép beszúrásához kattintson az ikonra</a:t>
+            </a:r>
+            <a:endParaRPr lang="en-US" dirty="0"/>
+          </a:p>
+        </p:txBody>
+      </p:sp>
+      <p:sp>
+        <p:nvSpPr>
+          <p:cNvPr id="4" name="Text Placeholder 3"/>
+          <p:cNvSpPr>
+            <a:spLocks noGrp="1"/>
+          </p:cNvSpPr>
+          <p:nvPr>
+            <p:ph type="body" sz="half" idx="2"/>
+          </p:nvPr>
+        </p:nvSpPr>
+        <p:spPr>
+          <a:xfrm>
+            <a:off x="723900" y="2855968"/>
+            <a:ext cx="3855720" cy="3011432"/>
           </a:xfrm>
         </p:spPr>
         <p:txBody>
           <a:bodyPr/>
           <a:lstStyle>
             <a:lvl1pPr marL="0" indent="0">
-              <a:buNone/>
-              <a:defRPr sz="3200"/>
-            </a:lvl1pPr>
-            <a:lvl2pPr marL="457200" indent="0">
-              <a:buNone/>
-              <a:defRPr sz="2800"/>
-            </a:lvl2pPr>
-            <a:lvl3pPr marL="914400" indent="0">
-              <a:buNone/>
-              <a:defRPr sz="2400"/>
-            </a:lvl3pPr>
-            <a:lvl4pPr marL="1371600" indent="0">
-              <a:buNone/>
-              <a:defRPr sz="2000"/>
-            </a:lvl4pPr>
-            <a:lvl5pPr marL="1828800" indent="0">
-              <a:buNone/>
-              <a:defRPr sz="2000"/>
-            </a:lvl5pPr>
-            <a:lvl6pPr marL="2286000" indent="0">
-              <a:buNone/>
-              <a:defRPr sz="2000"/>
-            </a:lvl6pPr>
-            <a:lvl7pPr marL="2743200" indent="0">
-              <a:buNone/>
-              <a:defRPr sz="2000"/>
-            </a:lvl7pPr>
-            <a:lvl8pPr marL="3200400" indent="0">
-              <a:buNone/>
-              <a:defRPr sz="2000"/>
-            </a:lvl8pPr>
-            <a:lvl9pPr marL="3657600" indent="0">
-              <a:buNone/>
-              <a:defRPr sz="2000"/>
-            </a:lvl9pPr>
-          </a:lstStyle>
-          <a:p>
-            <a:endParaRPr lang="hu-HU"/>
-          </a:p>
-        </p:txBody>
-      </p:sp>
-      <p:sp>
-        <p:nvSpPr>
-          <p:cNvPr id="4" name="Szöveg helye 3">
-            <a:extLst>
-              <a:ext uri="{FF2B5EF4-FFF2-40B4-BE49-F238E27FC236}">
-                <a16:creationId xmlns:a16="http://schemas.microsoft.com/office/drawing/2014/main" id="{DB476D61-41CB-F260-2F23-8CCE63885B55}"/>
-              </a:ext>
-            </a:extLst>
-          </p:cNvPr>
-          <p:cNvSpPr>
-            <a:spLocks noGrp="1"/>
-          </p:cNvSpPr>
-          <p:nvPr>
-            <p:ph type="body" sz="half" idx="2"/>
-          </p:nvPr>
-        </p:nvSpPr>
-        <p:spPr>
-          <a:xfrm>
-            <a:off x="839788" y="2057400"/>
-            <a:ext cx="3932237" cy="3811588"/>
-          </a:xfrm>
-        </p:spPr>
-        <p:txBody>
-          <a:bodyPr/>
-          <a:lstStyle>
-            <a:lvl1pPr marL="0" indent="0">
+              <a:lnSpc>
+                <a:spcPct val="113000"/>
+              </a:lnSpc>
+              <a:spcBef>
+                <a:spcPts val="0"/>
+              </a:spcBef>
+              <a:spcAft>
+                <a:spcPts val="1500"/>
+              </a:spcAft>
               <a:buNone/>
               <a:defRPr sz="1600"/>
             </a:lvl1pPr>
@@ -2647,13 +3033,7 @@
       </p:sp>
       <p:sp>
         <p:nvSpPr>
-          <p:cNvPr id="5" name="Dátum helye 4">
-            <a:extLst>
-              <a:ext uri="{FF2B5EF4-FFF2-40B4-BE49-F238E27FC236}">
-                <a16:creationId xmlns:a16="http://schemas.microsoft.com/office/drawing/2014/main" id="{D57F2D2A-DFFD-75E5-EE6B-68E229E29FDE}"/>
-              </a:ext>
-            </a:extLst>
-          </p:cNvPr>
+          <p:cNvPr id="5" name="Date Placeholder 4"/>
           <p:cNvSpPr>
             <a:spLocks noGrp="1"/>
           </p:cNvSpPr>
@@ -2661,10 +3041,23 @@
             <p:ph type="dt" sz="half" idx="10"/>
           </p:nvPr>
         </p:nvSpPr>
-        <p:spPr/>
+        <p:spPr>
+          <a:xfrm>
+            <a:off x="723900" y="6453386"/>
+            <a:ext cx="1204572" cy="404614"/>
+          </a:xfrm>
+        </p:spPr>
         <p:txBody>
           <a:bodyPr/>
-          <a:lstStyle/>
+          <a:lstStyle>
+            <a:lvl1pPr>
+              <a:defRPr>
+                <a:solidFill>
+                  <a:schemeClr val="tx2"/>
+                </a:solidFill>
+              </a:defRPr>
+            </a:lvl1pPr>
+          </a:lstStyle>
           <a:p>
             <a:fld id="{EDD659E1-ECCE-4A0B-8786-40BE2BC7E967}" type="datetimeFigureOut">
               <a:rPr lang="hu-HU" smtClean="0"/>
@@ -2676,13 +3069,7 @@
       </p:sp>
       <p:sp>
         <p:nvSpPr>
-          <p:cNvPr id="6" name="Élőláb helye 5">
-            <a:extLst>
-              <a:ext uri="{FF2B5EF4-FFF2-40B4-BE49-F238E27FC236}">
-                <a16:creationId xmlns:a16="http://schemas.microsoft.com/office/drawing/2014/main" id="{EDD1467E-43AB-D324-730E-5E77EAD355D1}"/>
-              </a:ext>
-            </a:extLst>
-          </p:cNvPr>
+          <p:cNvPr id="6" name="Footer Placeholder 5"/>
           <p:cNvSpPr>
             <a:spLocks noGrp="1"/>
           </p:cNvSpPr>
@@ -2690,10 +3077,23 @@
             <p:ph type="ftr" sz="quarter" idx="11"/>
           </p:nvPr>
         </p:nvSpPr>
-        <p:spPr/>
+        <p:spPr>
+          <a:xfrm>
+            <a:off x="2205945" y="6453386"/>
+            <a:ext cx="2373675" cy="404614"/>
+          </a:xfrm>
+        </p:spPr>
         <p:txBody>
           <a:bodyPr/>
-          <a:lstStyle/>
+          <a:lstStyle>
+            <a:lvl1pPr>
+              <a:defRPr>
+                <a:solidFill>
+                  <a:schemeClr val="tx2"/>
+                </a:solidFill>
+              </a:defRPr>
+            </a:lvl1pPr>
+          </a:lstStyle>
           <a:p>
             <a:endParaRPr lang="hu-HU"/>
           </a:p>
@@ -2701,13 +3101,7 @@
       </p:sp>
       <p:sp>
         <p:nvSpPr>
-          <p:cNvPr id="7" name="Dia számának helye 6">
-            <a:extLst>
-              <a:ext uri="{FF2B5EF4-FFF2-40B4-BE49-F238E27FC236}">
-                <a16:creationId xmlns:a16="http://schemas.microsoft.com/office/drawing/2014/main" id="{62FE2869-AE08-EC1C-9B09-37B7C7090E02}"/>
-              </a:ext>
-            </a:extLst>
-          </p:cNvPr>
+          <p:cNvPr id="7" name="Slide Number Placeholder 6"/>
           <p:cNvSpPr>
             <a:spLocks noGrp="1"/>
           </p:cNvSpPr>
@@ -2715,10 +3109,23 @@
             <p:ph type="sldNum" sz="quarter" idx="12"/>
           </p:nvPr>
         </p:nvSpPr>
-        <p:spPr/>
+        <p:spPr>
+          <a:xfrm>
+            <a:off x="9883140" y="6453386"/>
+            <a:ext cx="1596292" cy="404614"/>
+          </a:xfrm>
+        </p:spPr>
         <p:txBody>
           <a:bodyPr/>
-          <a:lstStyle/>
+          <a:lstStyle>
+            <a:lvl1pPr>
+              <a:defRPr>
+                <a:solidFill>
+                  <a:schemeClr val="tx2"/>
+                </a:solidFill>
+              </a:defRPr>
+            </a:lvl1pPr>
+          </a:lstStyle>
           <a:p>
             <a:fld id="{79E25113-C54C-4B86-B6FA-10CF56199640}" type="slidenum">
               <a:rPr lang="hu-HU" smtClean="0"/>
@@ -2728,10 +3135,48 @@
           </a:p>
         </p:txBody>
       </p:sp>
+      <p:sp>
+        <p:nvSpPr>
+          <p:cNvPr id="9" name="Rectangle 8" title="Divider Bar"/>
+          <p:cNvSpPr/>
+          <p:nvPr/>
+        </p:nvSpPr>
+        <p:spPr>
+          <a:xfrm>
+            <a:off x="5303520" y="376"/>
+            <a:ext cx="228600" cy="6858000"/>
+          </a:xfrm>
+          <a:prstGeom prst="rect">
+            <a:avLst/>
+          </a:prstGeom>
+          <a:solidFill>
+            <a:schemeClr val="tx2"/>
+          </a:solidFill>
+          <a:ln>
+            <a:noFill/>
+          </a:ln>
+        </p:spPr>
+        <p:style>
+          <a:lnRef idx="2">
+            <a:schemeClr val="accent1">
+              <a:shade val="50000"/>
+            </a:schemeClr>
+          </a:lnRef>
+          <a:fillRef idx="1">
+            <a:schemeClr val="accent1"/>
+          </a:fillRef>
+          <a:effectRef idx="0">
+            <a:schemeClr val="accent1"/>
+          </a:effectRef>
+          <a:fontRef idx="minor">
+            <a:schemeClr val="lt1"/>
+          </a:fontRef>
+        </p:style>
+      </p:sp>
     </p:spTree>
     <p:extLst>
       <p:ext uri="{BB962C8B-B14F-4D97-AF65-F5344CB8AC3E}">
-        <p14:creationId xmlns:p14="http://schemas.microsoft.com/office/powerpoint/2010/main" val="897868118"/>
+        <p14:creationId xmlns:p14="http://schemas.microsoft.com/office/powerpoint/2010/main" val="1439068472"/>
       </p:ext>
     </p:extLst>
   </p:cSld>
@@ -2745,9 +3190,12 @@
 <p:sldMaster xmlns:a="http://schemas.openxmlformats.org/drawingml/2006/main" xmlns:r="http://schemas.openxmlformats.org/officeDocument/2006/relationships" xmlns:p="http://schemas.openxmlformats.org/presentationml/2006/main">
   <p:cSld>
     <p:bg>
-      <p:bgRef idx="1001">
-        <a:schemeClr val="bg1"/>
-      </p:bgRef>
+      <p:bgPr>
+        <a:solidFill>
+          <a:schemeClr val="bg2"/>
+        </a:solidFill>
+        <a:effectLst/>
+      </p:bgPr>
     </p:bg>
     <p:spTree>
       <p:nvGrpSpPr>
@@ -2765,13 +3213,7 @@
       </p:grpSpPr>
       <p:sp>
         <p:nvSpPr>
-          <p:cNvPr id="2" name="Cím helye 1">
-            <a:extLst>
-              <a:ext uri="{FF2B5EF4-FFF2-40B4-BE49-F238E27FC236}">
-                <a16:creationId xmlns:a16="http://schemas.microsoft.com/office/drawing/2014/main" id="{AF07E03B-9493-9C49-442A-157B45A9880B}"/>
-              </a:ext>
-            </a:extLst>
-          </p:cNvPr>
+          <p:cNvPr id="2" name="Title Placeholder 1"/>
           <p:cNvSpPr>
             <a:spLocks noGrp="1"/>
           </p:cNvSpPr>
@@ -2781,15 +3223,15 @@
         </p:nvSpPr>
         <p:spPr>
           <a:xfrm>
-            <a:off x="838200" y="365125"/>
-            <a:ext cx="10515600" cy="1325563"/>
+            <a:off x="1371600" y="685800"/>
+            <a:ext cx="9601200" cy="1485900"/>
           </a:xfrm>
           <a:prstGeom prst="rect">
             <a:avLst/>
           </a:prstGeom>
         </p:spPr>
         <p:txBody>
-          <a:bodyPr vert="horz" lIns="91440" tIns="45720" rIns="91440" bIns="45720" rtlCol="0" anchor="ctr">
+          <a:bodyPr vert="horz" lIns="91440" tIns="45720" rIns="91440" bIns="45720" rtlCol="0" anchor="t">
             <a:normAutofit/>
           </a:bodyPr>
           <a:lstStyle/>
@@ -2798,18 +3240,13 @@
               <a:rPr lang="hu-HU"/>
               <a:t>Mintacím szerkesztése</a:t>
             </a:r>
-          </a:p>
-        </p:txBody>
-      </p:sp>
-      <p:sp>
-        <p:nvSpPr>
-          <p:cNvPr id="3" name="Szöveg helye 2">
-            <a:extLst>
-              <a:ext uri="{FF2B5EF4-FFF2-40B4-BE49-F238E27FC236}">
-                <a16:creationId xmlns:a16="http://schemas.microsoft.com/office/drawing/2014/main" id="{36404C9A-9296-E596-4D52-E5659607562B}"/>
-              </a:ext>
-            </a:extLst>
-          </p:cNvPr>
+            <a:endParaRPr lang="en-US" dirty="0"/>
+          </a:p>
+        </p:txBody>
+      </p:sp>
+      <p:sp>
+        <p:nvSpPr>
+          <p:cNvPr id="3" name="Text Placeholder 2"/>
           <p:cNvSpPr>
             <a:spLocks noGrp="1"/>
           </p:cNvSpPr>
@@ -2819,8 +3256,8 @@
         </p:nvSpPr>
         <p:spPr>
           <a:xfrm>
-            <a:off x="838200" y="1825625"/>
-            <a:ext cx="10515600" cy="4351338"/>
+            <a:off x="1371600" y="2286000"/>
+            <a:ext cx="9601200" cy="3581400"/>
           </a:xfrm>
           <a:prstGeom prst="rect">
             <a:avLst/>
@@ -2865,18 +3302,13 @@
               <a:rPr lang="hu-HU"/>
               <a:t>Ötödik szint</a:t>
             </a:r>
-          </a:p>
-        </p:txBody>
-      </p:sp>
-      <p:sp>
-        <p:nvSpPr>
-          <p:cNvPr id="4" name="Dátum helye 3">
-            <a:extLst>
-              <a:ext uri="{FF2B5EF4-FFF2-40B4-BE49-F238E27FC236}">
-                <a16:creationId xmlns:a16="http://schemas.microsoft.com/office/drawing/2014/main" id="{656A7BA9-EA42-6879-A0A2-348AE4F507C5}"/>
-              </a:ext>
-            </a:extLst>
-          </p:cNvPr>
+            <a:endParaRPr lang="en-US" dirty="0"/>
+          </a:p>
+        </p:txBody>
+      </p:sp>
+      <p:sp>
+        <p:nvSpPr>
+          <p:cNvPr id="4" name="Date Placeholder 3"/>
           <p:cNvSpPr>
             <a:spLocks noGrp="1"/>
           </p:cNvSpPr>
@@ -2886,8 +3318,8 @@
         </p:nvSpPr>
         <p:spPr>
           <a:xfrm>
-            <a:off x="838200" y="6356350"/>
-            <a:ext cx="2743200" cy="365125"/>
+            <a:off x="1390650" y="6453386"/>
+            <a:ext cx="1204572" cy="404614"/>
           </a:xfrm>
           <a:prstGeom prst="rect">
             <a:avLst/>
@@ -2897,11 +3329,9 @@
           <a:bodyPr vert="horz" lIns="91440" tIns="45720" rIns="91440" bIns="45720" rtlCol="0" anchor="ctr"/>
           <a:lstStyle>
             <a:lvl1pPr algn="l">
-              <a:defRPr sz="1200">
+              <a:defRPr sz="1200" baseline="0">
                 <a:solidFill>
-                  <a:schemeClr val="tx1">
-                    <a:tint val="75000"/>
-                  </a:schemeClr>
+                  <a:schemeClr val="tx2"/>
                 </a:solidFill>
               </a:defRPr>
             </a:lvl1pPr>
@@ -2917,13 +3347,7 @@
       </p:sp>
       <p:sp>
         <p:nvSpPr>
-          <p:cNvPr id="5" name="Élőláb helye 4">
-            <a:extLst>
-              <a:ext uri="{FF2B5EF4-FFF2-40B4-BE49-F238E27FC236}">
-                <a16:creationId xmlns:a16="http://schemas.microsoft.com/office/drawing/2014/main" id="{D58A3EE9-196B-BF0A-6CED-7534D3CF82BC}"/>
-              </a:ext>
-            </a:extLst>
-          </p:cNvPr>
+          <p:cNvPr id="5" name="Footer Placeholder 4"/>
           <p:cNvSpPr>
             <a:spLocks noGrp="1"/>
           </p:cNvSpPr>
@@ -2933,8 +3357,8 @@
         </p:nvSpPr>
         <p:spPr>
           <a:xfrm>
-            <a:off x="4038600" y="6356350"/>
-            <a:ext cx="4114800" cy="365125"/>
+            <a:off x="2893564" y="6453386"/>
+            <a:ext cx="6280830" cy="404614"/>
           </a:xfrm>
           <a:prstGeom prst="rect">
             <a:avLst/>
@@ -2943,12 +3367,10 @@
         <p:txBody>
           <a:bodyPr vert="horz" lIns="91440" tIns="45720" rIns="91440" bIns="45720" rtlCol="0" anchor="ctr"/>
           <a:lstStyle>
-            <a:lvl1pPr algn="ctr">
-              <a:defRPr sz="1200">
+            <a:lvl1pPr algn="l">
+              <a:defRPr sz="1200" baseline="0">
                 <a:solidFill>
-                  <a:schemeClr val="tx1">
-                    <a:tint val="75000"/>
-                  </a:schemeClr>
+                  <a:schemeClr val="tx2"/>
                 </a:solidFill>
               </a:defRPr>
             </a:lvl1pPr>
@@ -2960,13 +3382,7 @@
       </p:sp>
       <p:sp>
         <p:nvSpPr>
-          <p:cNvPr id="6" name="Dia számának helye 5">
-            <a:extLst>
-              <a:ext uri="{FF2B5EF4-FFF2-40B4-BE49-F238E27FC236}">
-                <a16:creationId xmlns:a16="http://schemas.microsoft.com/office/drawing/2014/main" id="{9B264FD5-78AD-9862-904B-0CC7BE85ADB0}"/>
-              </a:ext>
-            </a:extLst>
-          </p:cNvPr>
+          <p:cNvPr id="6" name="Slide Number Placeholder 5"/>
           <p:cNvSpPr>
             <a:spLocks noGrp="1"/>
           </p:cNvSpPr>
@@ -2976,8 +3392,8 @@
         </p:nvSpPr>
         <p:spPr>
           <a:xfrm>
-            <a:off x="8610600" y="6356350"/>
-            <a:ext cx="2743200" cy="365125"/>
+            <a:off x="9472736" y="6453386"/>
+            <a:ext cx="1596292" cy="404614"/>
           </a:xfrm>
           <a:prstGeom prst="rect">
             <a:avLst/>
@@ -2987,11 +3403,9 @@
           <a:bodyPr vert="horz" lIns="91440" tIns="45720" rIns="91440" bIns="45720" rtlCol="0" anchor="ctr"/>
           <a:lstStyle>
             <a:lvl1pPr algn="r">
-              <a:defRPr sz="1200">
+              <a:defRPr sz="1200" baseline="0">
                 <a:solidFill>
-                  <a:schemeClr val="tx1">
-                    <a:tint val="75000"/>
-                  </a:schemeClr>
+                  <a:schemeClr val="tx2"/>
                 </a:solidFill>
               </a:defRPr>
             </a:lvl1pPr>
@@ -3005,40 +3419,78 @@
           </a:p>
         </p:txBody>
       </p:sp>
+      <p:sp>
+        <p:nvSpPr>
+          <p:cNvPr id="9" name="Rectangle 8" title="Side bar"/>
+          <p:cNvSpPr/>
+          <p:nvPr/>
+        </p:nvSpPr>
+        <p:spPr>
+          <a:xfrm>
+            <a:off x="478095" y="376"/>
+            <a:ext cx="228600" cy="6858000"/>
+          </a:xfrm>
+          <a:prstGeom prst="rect">
+            <a:avLst/>
+          </a:prstGeom>
+          <a:solidFill>
+            <a:schemeClr val="tx2"/>
+          </a:solidFill>
+          <a:ln>
+            <a:noFill/>
+          </a:ln>
+        </p:spPr>
+        <p:style>
+          <a:lnRef idx="2">
+            <a:schemeClr val="accent1">
+              <a:shade val="50000"/>
+            </a:schemeClr>
+          </a:lnRef>
+          <a:fillRef idx="1">
+            <a:schemeClr val="accent1"/>
+          </a:fillRef>
+          <a:effectRef idx="0">
+            <a:schemeClr val="accent1"/>
+          </a:effectRef>
+          <a:fontRef idx="minor">
+            <a:schemeClr val="lt1"/>
+          </a:fontRef>
+        </p:style>
+      </p:sp>
     </p:spTree>
     <p:extLst>
       <p:ext uri="{BB962C8B-B14F-4D97-AF65-F5344CB8AC3E}">
-        <p14:creationId xmlns:p14="http://schemas.microsoft.com/office/powerpoint/2010/main" val="3070023856"/>
+        <p14:creationId xmlns:p14="http://schemas.microsoft.com/office/powerpoint/2010/main" val="1887326484"/>
       </p:ext>
     </p:extLst>
   </p:cSld>
   <p:clrMap bg1="lt1" tx1="dk1" bg2="lt2" tx2="dk2" accent1="accent1" accent2="accent2" accent3="accent3" accent4="accent4" accent5="accent5" accent6="accent6" hlink="hlink" folHlink="folHlink"/>
   <p:sldLayoutIdLst>
-    <p:sldLayoutId id="2147483649" r:id="rId1"/>
-    <p:sldLayoutId id="2147483650" r:id="rId2"/>
-    <p:sldLayoutId id="2147483651" r:id="rId3"/>
-    <p:sldLayoutId id="2147483652" r:id="rId4"/>
-    <p:sldLayoutId id="2147483653" r:id="rId5"/>
-    <p:sldLayoutId id="2147483654" r:id="rId6"/>
-    <p:sldLayoutId id="2147483655" r:id="rId7"/>
-    <p:sldLayoutId id="2147483656" r:id="rId8"/>
-    <p:sldLayoutId id="2147483657" r:id="rId9"/>
-    <p:sldLayoutId id="2147483658" r:id="rId10"/>
-    <p:sldLayoutId id="2147483659" r:id="rId11"/>
+    <p:sldLayoutId id="2147483745" r:id="rId1"/>
+    <p:sldLayoutId id="2147483746" r:id="rId2"/>
+    <p:sldLayoutId id="2147483747" r:id="rId3"/>
+    <p:sldLayoutId id="2147483748" r:id="rId4"/>
+    <p:sldLayoutId id="2147483749" r:id="rId5"/>
+    <p:sldLayoutId id="2147483750" r:id="rId6"/>
+    <p:sldLayoutId id="2147483751" r:id="rId7"/>
+    <p:sldLayoutId id="2147483752" r:id="rId8"/>
+    <p:sldLayoutId id="2147483753" r:id="rId9"/>
+    <p:sldLayoutId id="2147483754" r:id="rId10"/>
+    <p:sldLayoutId id="2147483755" r:id="rId11"/>
   </p:sldLayoutIdLst>
   <p:txStyles>
     <p:titleStyle>
       <a:lvl1pPr algn="l" defTabSz="914400" rtl="0" eaLnBrk="1" latinLnBrk="0" hangingPunct="1">
         <a:lnSpc>
-          <a:spcPct val="90000"/>
+          <a:spcPct val="89000"/>
         </a:lnSpc>
         <a:spcBef>
           <a:spcPct val="0"/>
         </a:spcBef>
         <a:buNone/>
-        <a:defRPr sz="4400" kern="1200">
+        <a:defRPr sz="4400" kern="1200" baseline="0">
           <a:solidFill>
-            <a:schemeClr val="tx1"/>
+            <a:schemeClr val="tx2"/>
           </a:solidFill>
           <a:latin typeface="+mj-lt"/>
           <a:ea typeface="+mj-ea"/>
@@ -3047,162 +3499,189 @@
       </a:lvl1pPr>
     </p:titleStyle>
     <p:bodyStyle>
-      <a:lvl1pPr marL="228600" indent="-228600" algn="l" defTabSz="914400" rtl="0" eaLnBrk="1" latinLnBrk="0" hangingPunct="1">
+      <a:lvl1pPr marL="384048" indent="-384048" algn="l" defTabSz="914400" rtl="0" eaLnBrk="1" latinLnBrk="0" hangingPunct="1">
         <a:lnSpc>
-          <a:spcPct val="90000"/>
+          <a:spcPct val="94000"/>
         </a:lnSpc>
         <a:spcBef>
           <a:spcPts val="1000"/>
         </a:spcBef>
-        <a:buFont typeface="Arial" panose="020B0604020202020204" pitchFamily="34" charset="0"/>
-        <a:buChar char="•"/>
-        <a:defRPr sz="2800" kern="1200">
+        <a:spcAft>
+          <a:spcPts val="200"/>
+        </a:spcAft>
+        <a:buFont typeface="Franklin Gothic Book" panose="020B0503020102020204" pitchFamily="34" charset="0"/>
+        <a:buChar char="■"/>
+        <a:defRPr sz="2000" kern="1200" baseline="0">
           <a:solidFill>
-            <a:schemeClr val="tx1"/>
+            <a:schemeClr val="tx2"/>
           </a:solidFill>
           <a:latin typeface="+mn-lt"/>
           <a:ea typeface="+mn-ea"/>
           <a:cs typeface="+mn-cs"/>
         </a:defRPr>
       </a:lvl1pPr>
-      <a:lvl2pPr marL="685800" indent="-228600" algn="l" defTabSz="914400" rtl="0" eaLnBrk="1" latinLnBrk="0" hangingPunct="1">
+      <a:lvl2pPr marL="914400" indent="-384048" algn="l" defTabSz="914400" rtl="0" eaLnBrk="1" latinLnBrk="0" hangingPunct="1">
         <a:lnSpc>
-          <a:spcPct val="90000"/>
+          <a:spcPct val="94000"/>
         </a:lnSpc>
         <a:spcBef>
           <a:spcPts val="500"/>
         </a:spcBef>
-        <a:buFont typeface="Arial" panose="020B0604020202020204" pitchFamily="34" charset="0"/>
-        <a:buChar char="•"/>
-        <a:defRPr sz="2400" kern="1200">
+        <a:spcAft>
+          <a:spcPts val="200"/>
+        </a:spcAft>
+        <a:buFont typeface="Franklin Gothic Book" panose="020B0503020102020204" pitchFamily="34" charset="0"/>
+        <a:buChar char="–"/>
+        <a:defRPr sz="2000" i="1" kern="1200" baseline="0">
           <a:solidFill>
-            <a:schemeClr val="tx1"/>
+            <a:schemeClr val="tx2"/>
           </a:solidFill>
           <a:latin typeface="+mn-lt"/>
           <a:ea typeface="+mn-ea"/>
           <a:cs typeface="+mn-cs"/>
         </a:defRPr>
       </a:lvl2pPr>
-      <a:lvl3pPr marL="1143000" indent="-228600" algn="l" defTabSz="914400" rtl="0" eaLnBrk="1" latinLnBrk="0" hangingPunct="1">
+      <a:lvl3pPr marL="1371600" indent="-384048" algn="l" defTabSz="914400" rtl="0" eaLnBrk="1" latinLnBrk="0" hangingPunct="1">
         <a:lnSpc>
-          <a:spcPct val="90000"/>
+          <a:spcPct val="94000"/>
         </a:lnSpc>
         <a:spcBef>
           <a:spcPts val="500"/>
         </a:spcBef>
-        <a:buFont typeface="Arial" panose="020B0604020202020204" pitchFamily="34" charset="0"/>
-        <a:buChar char="•"/>
-        <a:defRPr sz="2000" kern="1200">
+        <a:spcAft>
+          <a:spcPts val="200"/>
+        </a:spcAft>
+        <a:buFont typeface="Franklin Gothic Book" panose="020B0503020102020204" pitchFamily="34" charset="0"/>
+        <a:buChar char="■"/>
+        <a:defRPr sz="1800" kern="1200" baseline="0">
           <a:solidFill>
-            <a:schemeClr val="tx1"/>
+            <a:schemeClr val="tx2"/>
           </a:solidFill>
           <a:latin typeface="+mn-lt"/>
           <a:ea typeface="+mn-ea"/>
           <a:cs typeface="+mn-cs"/>
         </a:defRPr>
       </a:lvl3pPr>
-      <a:lvl4pPr marL="1600200" indent="-228600" algn="l" defTabSz="914400" rtl="0" eaLnBrk="1" latinLnBrk="0" hangingPunct="1">
+      <a:lvl4pPr marL="1828800" indent="-384048" algn="l" defTabSz="914400" rtl="0" eaLnBrk="1" latinLnBrk="0" hangingPunct="1">
         <a:lnSpc>
-          <a:spcPct val="90000"/>
+          <a:spcPct val="94000"/>
         </a:lnSpc>
         <a:spcBef>
           <a:spcPts val="500"/>
         </a:spcBef>
-        <a:buFont typeface="Arial" panose="020B0604020202020204" pitchFamily="34" charset="0"/>
-        <a:buChar char="•"/>
-        <a:defRPr sz="1800" kern="1200">
+        <a:spcAft>
+          <a:spcPts val="200"/>
+        </a:spcAft>
+        <a:buFont typeface="Franklin Gothic Book" panose="020B0503020102020204" pitchFamily="34" charset="0"/>
+        <a:buChar char="–"/>
+        <a:defRPr sz="1800" i="1" kern="1200" baseline="0">
           <a:solidFill>
-            <a:schemeClr val="tx1"/>
+            <a:schemeClr val="tx2"/>
           </a:solidFill>
           <a:latin typeface="+mn-lt"/>
           <a:ea typeface="+mn-ea"/>
           <a:cs typeface="+mn-cs"/>
         </a:defRPr>
       </a:lvl4pPr>
-      <a:lvl5pPr marL="2057400" indent="-228600" algn="l" defTabSz="914400" rtl="0" eaLnBrk="1" latinLnBrk="0" hangingPunct="1">
+      <a:lvl5pPr marL="2286000" indent="-384048" algn="l" defTabSz="914400" rtl="0" eaLnBrk="1" latinLnBrk="0" hangingPunct="1">
         <a:lnSpc>
-          <a:spcPct val="90000"/>
+          <a:spcPct val="94000"/>
         </a:lnSpc>
         <a:spcBef>
           <a:spcPts val="500"/>
         </a:spcBef>
-        <a:buFont typeface="Arial" panose="020B0604020202020204" pitchFamily="34" charset="0"/>
-        <a:buChar char="•"/>
-        <a:defRPr sz="1800" kern="1200">
+        <a:spcAft>
+          <a:spcPts val="200"/>
+        </a:spcAft>
+        <a:buFont typeface="Franklin Gothic Book" panose="020B0503020102020204" pitchFamily="34" charset="0"/>
+        <a:buChar char="■"/>
+        <a:defRPr sz="1600" kern="1200" baseline="0">
           <a:solidFill>
-            <a:schemeClr val="tx1"/>
+            <a:schemeClr val="tx2"/>
           </a:solidFill>
           <a:latin typeface="+mn-lt"/>
           <a:ea typeface="+mn-ea"/>
           <a:cs typeface="+mn-cs"/>
         </a:defRPr>
       </a:lvl5pPr>
-      <a:lvl6pPr marL="2514600" indent="-228600" algn="l" defTabSz="914400" rtl="0" eaLnBrk="1" latinLnBrk="0" hangingPunct="1">
+      <a:lvl6pPr marL="2743200" indent="-384048" algn="l" defTabSz="914400" rtl="0" eaLnBrk="1" latinLnBrk="0" hangingPunct="1">
         <a:lnSpc>
-          <a:spcPct val="90000"/>
+          <a:spcPct val="94000"/>
         </a:lnSpc>
         <a:spcBef>
           <a:spcPts val="500"/>
         </a:spcBef>
-        <a:buFont typeface="Arial" panose="020B0604020202020204" pitchFamily="34" charset="0"/>
-        <a:buChar char="•"/>
-        <a:defRPr sz="1800" kern="1200">
+        <a:spcAft>
+          <a:spcPts val="200"/>
+        </a:spcAft>
+        <a:buFont typeface="Franklin Gothic Book" panose="020B0503020102020204" pitchFamily="34" charset="0"/>
+        <a:buChar char="–"/>
+        <a:defRPr sz="1600" i="1" kern="1200" baseline="0">
           <a:solidFill>
-            <a:schemeClr val="tx1"/>
+            <a:schemeClr val="tx2"/>
           </a:solidFill>
           <a:latin typeface="+mn-lt"/>
           <a:ea typeface="+mn-ea"/>
           <a:cs typeface="+mn-cs"/>
         </a:defRPr>
       </a:lvl6pPr>
-      <a:lvl7pPr marL="2971800" indent="-228600" algn="l" defTabSz="914400" rtl="0" eaLnBrk="1" latinLnBrk="0" hangingPunct="1">
+      <a:lvl7pPr marL="3200400" indent="-384048" algn="l" defTabSz="914400" rtl="0" eaLnBrk="1" latinLnBrk="0" hangingPunct="1">
         <a:lnSpc>
-          <a:spcPct val="90000"/>
+          <a:spcPct val="94000"/>
         </a:lnSpc>
         <a:spcBef>
           <a:spcPts val="500"/>
         </a:spcBef>
-        <a:buFont typeface="Arial" panose="020B0604020202020204" pitchFamily="34" charset="0"/>
-        <a:buChar char="•"/>
-        <a:defRPr sz="1800" kern="1200">
+        <a:spcAft>
+          <a:spcPts val="200"/>
+        </a:spcAft>
+        <a:buFont typeface="Franklin Gothic Book" panose="020B0503020102020204" pitchFamily="34" charset="0"/>
+        <a:buChar char="■"/>
+        <a:defRPr sz="1400" kern="1200" baseline="0">
           <a:solidFill>
-            <a:schemeClr val="tx1"/>
+            <a:schemeClr val="tx2"/>
           </a:solidFill>
           <a:latin typeface="+mn-lt"/>
           <a:ea typeface="+mn-ea"/>
           <a:cs typeface="+mn-cs"/>
         </a:defRPr>
       </a:lvl7pPr>
-      <a:lvl8pPr marL="3429000" indent="-228600" algn="l" defTabSz="914400" rtl="0" eaLnBrk="1" latinLnBrk="0" hangingPunct="1">
+      <a:lvl8pPr marL="3657600" indent="-384048" algn="l" defTabSz="914400" rtl="0" eaLnBrk="1" latinLnBrk="0" hangingPunct="1">
         <a:lnSpc>
-          <a:spcPct val="90000"/>
+          <a:spcPct val="94000"/>
         </a:lnSpc>
         <a:spcBef>
           <a:spcPts val="500"/>
         </a:spcBef>
-        <a:buFont typeface="Arial" panose="020B0604020202020204" pitchFamily="34" charset="0"/>
-        <a:buChar char="•"/>
-        <a:defRPr sz="1800" kern="1200">
+        <a:spcAft>
+          <a:spcPts val="200"/>
+        </a:spcAft>
+        <a:buFont typeface="Franklin Gothic Book" panose="020B0503020102020204" pitchFamily="34" charset="0"/>
+        <a:buChar char="–"/>
+        <a:defRPr sz="1400" i="1" kern="1200" baseline="0">
           <a:solidFill>
-            <a:schemeClr val="tx1"/>
+            <a:schemeClr val="tx2"/>
           </a:solidFill>
           <a:latin typeface="+mn-lt"/>
           <a:ea typeface="+mn-ea"/>
           <a:cs typeface="+mn-cs"/>
         </a:defRPr>
       </a:lvl8pPr>
-      <a:lvl9pPr marL="3886200" indent="-228600" algn="l" defTabSz="914400" rtl="0" eaLnBrk="1" latinLnBrk="0" hangingPunct="1">
+      <a:lvl9pPr marL="4114800" indent="-384048" algn="l" defTabSz="914400" rtl="0" eaLnBrk="1" latinLnBrk="0" hangingPunct="1">
         <a:lnSpc>
-          <a:spcPct val="90000"/>
+          <a:spcPct val="94000"/>
         </a:lnSpc>
         <a:spcBef>
           <a:spcPts val="500"/>
         </a:spcBef>
-        <a:buFont typeface="Arial" panose="020B0604020202020204" pitchFamily="34" charset="0"/>
-        <a:buChar char="•"/>
-        <a:defRPr sz="1800" kern="1200">
+        <a:spcAft>
+          <a:spcPts val="200"/>
+        </a:spcAft>
+        <a:buFont typeface="Franklin Gothic Book" panose="020B0503020102020204" pitchFamily="34" charset="0"/>
+        <a:buChar char="■"/>
+        <a:defRPr sz="1400" kern="1200" baseline="0">
           <a:solidFill>
-            <a:schemeClr val="tx1"/>
+            <a:schemeClr val="tx2"/>
           </a:solidFill>
           <a:latin typeface="+mn-lt"/>
           <a:ea typeface="+mn-ea"/>
@@ -3212,7 +3691,7 @@
     </p:bodyStyle>
     <p:otherStyle>
       <a:defPPr>
-        <a:defRPr lang="hu-HU"/>
+        <a:defRPr lang="en-US"/>
       </a:defPPr>
       <a:lvl1pPr marL="0" algn="l" defTabSz="914400" rtl="0" eaLnBrk="1" latinLnBrk="0" hangingPunct="1">
         <a:defRPr sz="1800" kern="1200">
@@ -3306,12 +3785,69 @@
       </a:lvl9pPr>
     </p:otherStyle>
   </p:txStyles>
+  <p:extLst>
+    <p:ext uri="{27BBF7A9-308A-43DC-89C8-2F10F3537804}">
+      <p15:sldGuideLst xmlns:p15="http://schemas.microsoft.com/office/powerpoint/2012/main">
+        <p15:guide id="3" orient="horz" pos="1368">
+          <p15:clr>
+            <a:srgbClr val="F26B43"/>
+          </p15:clr>
+        </p15:guide>
+        <p15:guide id="4" orient="horz" pos="1440">
+          <p15:clr>
+            <a:srgbClr val="F26B43"/>
+          </p15:clr>
+        </p15:guide>
+        <p15:guide id="6" orient="horz" pos="3696">
+          <p15:clr>
+            <a:srgbClr val="F26B43"/>
+          </p15:clr>
+        </p15:guide>
+        <p15:guide id="7" orient="horz" pos="432">
+          <p15:clr>
+            <a:srgbClr val="F26B43"/>
+          </p15:clr>
+        </p15:guide>
+        <p15:guide id="8" orient="horz" pos="1512">
+          <p15:clr>
+            <a:srgbClr val="F26B43"/>
+          </p15:clr>
+        </p15:guide>
+        <p15:guide id="9" pos="6912">
+          <p15:clr>
+            <a:srgbClr val="F26B43"/>
+          </p15:clr>
+        </p15:guide>
+        <p15:guide id="10" pos="936">
+          <p15:clr>
+            <a:srgbClr val="F26B43"/>
+          </p15:clr>
+        </p15:guide>
+        <p15:guide id="11" pos="864">
+          <p15:clr>
+            <a:srgbClr val="F26B43"/>
+          </p15:clr>
+        </p15:guide>
+      </p15:sldGuideLst>
+    </p:ext>
+  </p:extLst>
 </p:sldMaster>
 </file>
 
 <file path=ppt/slides/slide1.xml><?xml version="1.0" encoding="utf-8"?>
 <p:sld xmlns:a="http://schemas.openxmlformats.org/drawingml/2006/main" xmlns:r="http://schemas.openxmlformats.org/officeDocument/2006/relationships" xmlns:p="http://schemas.openxmlformats.org/presentationml/2006/main">
   <p:cSld>
+    <p:bg>
+      <p:bgPr>
+        <a:solidFill>
+          <a:schemeClr val="bg1">
+            <a:tint val="95000"/>
+            <a:satMod val="170000"/>
+          </a:schemeClr>
+        </a:solidFill>
+        <a:effectLst/>
+      </p:bgPr>
+    </p:bg>
     <p:spTree>
       <p:nvGrpSpPr>
         <p:cNvPr id="1" name=""/>
@@ -3328,6 +3864,205 @@
       </p:grpSpPr>
       <p:sp>
         <p:nvSpPr>
+          <p:cNvPr id="8" name="Rectangle 7">
+            <a:extLst>
+              <a:ext uri="{FF2B5EF4-FFF2-40B4-BE49-F238E27FC236}">
+                <a16:creationId xmlns:a16="http://schemas.microsoft.com/office/drawing/2014/main" id="{F6B7BFBD-C488-4B5B-ABE5-8256F3FFB048}"/>
+              </a:ext>
+              <a:ext uri="{C183D7F6-B498-43B3-948B-1728B52AA6E4}">
+                <adec:decorative xmlns:adec="http://schemas.microsoft.com/office/drawing/2017/decorative" val="1"/>
+              </a:ext>
+            </a:extLst>
+          </p:cNvPr>
+          <p:cNvSpPr>
+            <a:spLocks noGrp="1" noRot="1" noChangeAspect="1" noMove="1" noResize="1" noEditPoints="1" noAdjustHandles="1" noChangeArrowheads="1" noChangeShapeType="1" noTextEdit="1"/>
+          </p:cNvSpPr>
+          <p:nvPr>
+            <p:extLst>
+              <p:ext uri="{386F3935-93C4-4BCD-93E2-E3B085C9AB24}">
+                <p16:designElem xmlns:p16="http://schemas.microsoft.com/office/powerpoint/2015/main" val="1"/>
+              </p:ext>
+            </p:extLst>
+          </p:nvPr>
+        </p:nvSpPr>
+        <p:spPr>
+          <a:xfrm>
+            <a:off x="2" y="376"/>
+            <a:ext cx="12191998" cy="6857624"/>
+          </a:xfrm>
+          <a:prstGeom prst="rect">
+            <a:avLst/>
+          </a:prstGeom>
+          <a:solidFill>
+            <a:schemeClr val="accent1"/>
+          </a:solidFill>
+          <a:ln>
+            <a:noFill/>
+          </a:ln>
+        </p:spPr>
+        <p:style>
+          <a:lnRef idx="2">
+            <a:schemeClr val="accent1">
+              <a:shade val="50000"/>
+            </a:schemeClr>
+          </a:lnRef>
+          <a:fillRef idx="1">
+            <a:schemeClr val="accent1"/>
+          </a:fillRef>
+          <a:effectRef idx="0">
+            <a:schemeClr val="accent1"/>
+          </a:effectRef>
+          <a:fontRef idx="minor">
+            <a:schemeClr val="lt1"/>
+          </a:fontRef>
+        </p:style>
+        <p:txBody>
+          <a:bodyPr/>
+          <a:lstStyle/>
+          <a:p>
+            <a:endParaRPr lang="en-US" dirty="0"/>
+          </a:p>
+        </p:txBody>
+      </p:sp>
+      <p:sp>
+        <p:nvSpPr>
+          <p:cNvPr id="10" name="Freeform 6">
+            <a:extLst>
+              <a:ext uri="{FF2B5EF4-FFF2-40B4-BE49-F238E27FC236}">
+                <a16:creationId xmlns:a16="http://schemas.microsoft.com/office/drawing/2014/main" id="{2BA7674F-A261-445A-AE3A-A0AA30620EC8}"/>
+              </a:ext>
+              <a:ext uri="{C183D7F6-B498-43B3-948B-1728B52AA6E4}">
+                <adec:decorative xmlns:adec="http://schemas.microsoft.com/office/drawing/2017/decorative" val="1"/>
+              </a:ext>
+            </a:extLst>
+          </p:cNvPr>
+          <p:cNvSpPr>
+            <a:spLocks noGrp="1" noRot="1" noChangeAspect="1" noMove="1" noResize="1" noEditPoints="1" noAdjustHandles="1" noChangeArrowheads="1" noChangeShapeType="1" noTextEdit="1"/>
+          </p:cNvSpPr>
+          <p:nvPr>
+            <p:extLst>
+              <p:ext uri="{386F3935-93C4-4BCD-93E2-E3B085C9AB24}">
+                <p16:designElem xmlns:p16="http://schemas.microsoft.com/office/powerpoint/2015/main" val="1"/>
+              </p:ext>
+            </p:extLst>
+          </p:nvPr>
+        </p:nvSpPr>
+        <p:spPr bwMode="auto">
+          <a:xfrm flipH="1" flipV="1">
+            <a:off x="671285" y="626654"/>
+            <a:ext cx="3275668" cy="4408488"/>
+          </a:xfrm>
+          <a:custGeom>
+            <a:avLst/>
+            <a:gdLst/>
+            <a:ahLst/>
+            <a:cxnLst/>
+            <a:rect l="l" t="t" r="r" b="b"/>
+            <a:pathLst>
+              <a:path w="10002" h="10000">
+                <a:moveTo>
+                  <a:pt x="8763" y="0"/>
+                </a:moveTo>
+                <a:lnTo>
+                  <a:pt x="10002" y="0"/>
+                </a:lnTo>
+                <a:lnTo>
+                  <a:pt x="10002" y="10000"/>
+                </a:lnTo>
+                <a:lnTo>
+                  <a:pt x="2" y="10000"/>
+                </a:lnTo>
+                <a:cubicBezTo>
+                  <a:pt x="-2" y="9698"/>
+                  <a:pt x="4" y="9427"/>
+                  <a:pt x="0" y="9125"/>
+                </a:cubicBezTo>
+                <a:lnTo>
+                  <a:pt x="8763" y="9128"/>
+                </a:lnTo>
+                <a:lnTo>
+                  <a:pt x="8763" y="0"/>
+                </a:lnTo>
+                <a:close/>
+              </a:path>
+            </a:pathLst>
+          </a:custGeom>
+          <a:solidFill>
+            <a:schemeClr val="accent1">
+              <a:lumMod val="75000"/>
+            </a:schemeClr>
+          </a:solidFill>
+          <a:ln w="0">
+            <a:noFill/>
+            <a:prstDash val="solid"/>
+            <a:round/>
+            <a:headEnd/>
+            <a:tailEnd/>
+          </a:ln>
+        </p:spPr>
+      </p:sp>
+      <p:sp useBgFill="1">
+        <p:nvSpPr>
+          <p:cNvPr id="12" name="Rectangle 11">
+            <a:extLst>
+              <a:ext uri="{FF2B5EF4-FFF2-40B4-BE49-F238E27FC236}">
+                <a16:creationId xmlns:a16="http://schemas.microsoft.com/office/drawing/2014/main" id="{BA53A58C-A067-4B87-B48C-CB90C1FA0FEE}"/>
+              </a:ext>
+              <a:ext uri="{C183D7F6-B498-43B3-948B-1728B52AA6E4}">
+                <adec:decorative xmlns:adec="http://schemas.microsoft.com/office/drawing/2017/decorative" val="1"/>
+              </a:ext>
+            </a:extLst>
+          </p:cNvPr>
+          <p:cNvSpPr>
+            <a:spLocks noGrp="1" noRot="1" noChangeAspect="1" noMove="1" noResize="1" noEditPoints="1" noAdjustHandles="1" noChangeArrowheads="1" noChangeShapeType="1" noTextEdit="1"/>
+          </p:cNvSpPr>
+          <p:nvPr>
+            <p:extLst>
+              <p:ext uri="{386F3935-93C4-4BCD-93E2-E3B085C9AB24}">
+                <p16:designElem xmlns:p16="http://schemas.microsoft.com/office/powerpoint/2015/main" val="1"/>
+              </p:ext>
+            </p:extLst>
+          </p:nvPr>
+        </p:nvSpPr>
+        <p:spPr>
+          <a:xfrm>
+            <a:off x="1076632" y="1010265"/>
+            <a:ext cx="11115368" cy="5847734"/>
+          </a:xfrm>
+          <a:prstGeom prst="rect">
+            <a:avLst/>
+          </a:prstGeom>
+          <a:ln>
+            <a:noFill/>
+          </a:ln>
+        </p:spPr>
+        <p:style>
+          <a:lnRef idx="2">
+            <a:schemeClr val="accent1">
+              <a:shade val="50000"/>
+            </a:schemeClr>
+          </a:lnRef>
+          <a:fillRef idx="1001">
+            <a:schemeClr val="lt2"/>
+          </a:fillRef>
+          <a:effectRef idx="0">
+            <a:schemeClr val="accent1"/>
+          </a:effectRef>
+          <a:fontRef idx="minor">
+            <a:schemeClr val="lt1"/>
+          </a:fontRef>
+        </p:style>
+        <p:txBody>
+          <a:bodyPr rtlCol="0" anchor="ctr"/>
+          <a:lstStyle/>
+          <a:p>
+            <a:pPr algn="ctr"/>
+            <a:endParaRPr lang="en-US"/>
+          </a:p>
+        </p:txBody>
+      </p:sp>
+      <p:sp>
+        <p:nvSpPr>
           <p:cNvPr id="2" name="Cím 1">
             <a:extLst>
               <a:ext uri="{FF2B5EF4-FFF2-40B4-BE49-F238E27FC236}">
@@ -3342,24 +4077,23 @@
             <p:ph type="ctrTitle"/>
           </p:nvPr>
         </p:nvSpPr>
-        <p:spPr/>
-        <p:txBody>
-          <a:bodyPr/>
+        <p:spPr>
+          <a:xfrm>
+            <a:off x="1720099" y="1653731"/>
+            <a:ext cx="8110584" cy="3935906"/>
+          </a:xfrm>
+        </p:spPr>
+        <p:txBody>
+          <a:bodyPr anchor="t">
+            <a:normAutofit/>
+          </a:bodyPr>
           <a:lstStyle/>
           <a:p>
-            <a:r>
-              <a:rPr lang="hu-HU" dirty="0" err="1"/>
-              <a:t>Waste</a:t>
-            </a:r>
-            <a:r>
-              <a:rPr lang="hu-HU" dirty="0"/>
-              <a:t> </a:t>
-            </a:r>
-            <a:r>
-              <a:rPr lang="hu-HU" dirty="0" err="1"/>
-              <a:t>classification</a:t>
-            </a:r>
-            <a:endParaRPr lang="hu-HU" dirty="0"/>
+            <a:pPr algn="l"/>
+            <a:r>
+              <a:rPr lang="hu-HU" sz="8800"/>
+              <a:t>Waste classification</a:t>
+            </a:r>
           </a:p>
         </p:txBody>
       </p:sp>
@@ -3379,41 +4113,36 @@
             <p:ph type="subTitle" idx="1"/>
           </p:nvPr>
         </p:nvSpPr>
-        <p:spPr/>
-        <p:txBody>
-          <a:bodyPr/>
+        <p:spPr>
+          <a:xfrm>
+            <a:off x="1720099" y="5589638"/>
+            <a:ext cx="9790030" cy="641479"/>
+          </a:xfrm>
+        </p:spPr>
+        <p:txBody>
+          <a:bodyPr>
+            <a:normAutofit/>
+          </a:bodyPr>
           <a:lstStyle/>
           <a:p>
-            <a:r>
-              <a:rPr lang="hu-HU" dirty="0"/>
-              <a:t>Deep </a:t>
-            </a:r>
-            <a:r>
-              <a:rPr lang="hu-HU" dirty="0" err="1"/>
-              <a:t>learning</a:t>
-            </a:r>
-            <a:r>
-              <a:rPr lang="hu-HU" dirty="0"/>
-              <a:t> </a:t>
-            </a:r>
-            <a:r>
-              <a:rPr lang="hu-HU" dirty="0" err="1"/>
-              <a:t>homework</a:t>
-            </a:r>
-            <a:r>
-              <a:rPr lang="hu-HU" dirty="0"/>
-              <a:t> project</a:t>
+            <a:pPr algn="l">
+              <a:lnSpc>
+                <a:spcPct val="102000"/>
+              </a:lnSpc>
+              <a:spcAft>
+                <a:spcPts val="600"/>
+              </a:spcAft>
+            </a:pPr>
+            <a:r>
+              <a:rPr lang="hu-HU" sz="1700"/>
+              <a:t>Deep learning homework project</a:t>
             </a:r>
             <a:br>
-              <a:rPr lang="hu-HU" dirty="0"/>
+              <a:rPr lang="hu-HU" sz="1700"/>
             </a:br>
             <a:r>
-              <a:rPr lang="hu-HU" dirty="0" err="1"/>
-              <a:t>By</a:t>
-            </a:r>
-            <a:r>
-              <a:rPr lang="hu-HU" dirty="0"/>
-              <a:t>: Anna Gergály, Mészáros Péter</a:t>
+              <a:rPr lang="hu-HU" sz="1700"/>
+              <a:t>By: Anna Gergály, Mészáros Péter</a:t>
             </a:r>
           </a:p>
         </p:txBody>
@@ -3426,7 +4155,7 @@
     </p:extLst>
   </p:cSld>
   <p:clrMapOvr>
-    <a:masterClrMapping/>
+    <a:overrideClrMapping bg1="dk1" tx1="lt1" bg2="dk2" tx2="lt2" accent1="accent1" accent2="accent2" accent3="accent3" accent4="accent4" accent5="accent5" accent6="accent6" hlink="hlink" folHlink="folHlink"/>
   </p:clrMapOvr>
 </p:sld>
 </file>
@@ -3434,6 +4163,14 @@
 <file path=ppt/slides/slide2.xml><?xml version="1.0" encoding="utf-8"?>
 <p:sld xmlns:a="http://schemas.openxmlformats.org/drawingml/2006/main" xmlns:r="http://schemas.openxmlformats.org/officeDocument/2006/relationships" xmlns:p="http://schemas.openxmlformats.org/presentationml/2006/main">
   <p:cSld>
+    <p:bg>
+      <p:bgPr>
+        <a:solidFill>
+          <a:schemeClr val="bg2"/>
+        </a:solidFill>
+        <a:effectLst/>
+      </p:bgPr>
+    </p:bg>
     <p:spTree>
       <p:nvGrpSpPr>
         <p:cNvPr id="1" name=""/>
@@ -3448,6 +4185,66 @@
           <a:chExt cx="0" cy="0"/>
         </a:xfrm>
       </p:grpSpPr>
+      <p:sp useBgFill="1">
+        <p:nvSpPr>
+          <p:cNvPr id="18" name="Rectangle 11">
+            <a:extLst>
+              <a:ext uri="{FF2B5EF4-FFF2-40B4-BE49-F238E27FC236}">
+                <a16:creationId xmlns:a16="http://schemas.microsoft.com/office/drawing/2014/main" id="{975DA423-1E6A-406A-9B05-E620EFA1F591}"/>
+              </a:ext>
+              <a:ext uri="{C183D7F6-B498-43B3-948B-1728B52AA6E4}">
+                <adec:decorative xmlns:adec="http://schemas.microsoft.com/office/drawing/2017/decorative" val="1"/>
+              </a:ext>
+            </a:extLst>
+          </p:cNvPr>
+          <p:cNvSpPr>
+            <a:spLocks noGrp="1" noRot="1" noChangeAspect="1" noMove="1" noResize="1" noEditPoints="1" noAdjustHandles="1" noChangeArrowheads="1" noChangeShapeType="1" noTextEdit="1"/>
+          </p:cNvSpPr>
+          <p:nvPr>
+            <p:extLst>
+              <p:ext uri="{386F3935-93C4-4BCD-93E2-E3B085C9AB24}">
+                <p16:designElem xmlns:p16="http://schemas.microsoft.com/office/powerpoint/2015/main" val="1"/>
+              </p:ext>
+            </p:extLst>
+          </p:nvPr>
+        </p:nvSpPr>
+        <p:spPr>
+          <a:xfrm>
+            <a:off x="0" y="0"/>
+            <a:ext cx="12192000" cy="6858000"/>
+          </a:xfrm>
+          <a:prstGeom prst="rect">
+            <a:avLst/>
+          </a:prstGeom>
+          <a:ln>
+            <a:noFill/>
+          </a:ln>
+        </p:spPr>
+        <p:style>
+          <a:lnRef idx="2">
+            <a:schemeClr val="accent1">
+              <a:shade val="50000"/>
+            </a:schemeClr>
+          </a:lnRef>
+          <a:fillRef idx="1">
+            <a:schemeClr val="accent1"/>
+          </a:fillRef>
+          <a:effectRef idx="0">
+            <a:schemeClr val="accent1"/>
+          </a:effectRef>
+          <a:fontRef idx="minor">
+            <a:schemeClr val="lt1"/>
+          </a:fontRef>
+        </p:style>
+        <p:txBody>
+          <a:bodyPr rtlCol="0" anchor="ctr"/>
+          <a:lstStyle/>
+          <a:p>
+            <a:pPr algn="ctr"/>
+            <a:endParaRPr lang="en-US"/>
+          </a:p>
+        </p:txBody>
+      </p:sp>
       <p:sp>
         <p:nvSpPr>
           <p:cNvPr id="2" name="Cím 1">
@@ -3464,9 +4261,16 @@
             <p:ph type="title"/>
           </p:nvPr>
         </p:nvSpPr>
-        <p:spPr/>
-        <p:txBody>
-          <a:bodyPr/>
+        <p:spPr>
+          <a:xfrm>
+            <a:off x="5100824" y="685800"/>
+            <a:ext cx="6176776" cy="1485900"/>
+          </a:xfrm>
+        </p:spPr>
+        <p:txBody>
+          <a:bodyPr>
+            <a:normAutofit/>
+          </a:bodyPr>
           <a:lstStyle/>
           <a:p>
             <a:r>
@@ -3476,6 +4280,131 @@
             <a:endParaRPr lang="hu-HU" dirty="0"/>
           </a:p>
         </p:txBody>
+      </p:sp>
+      <p:pic>
+        <p:nvPicPr>
+          <p:cNvPr id="5" name="Kép 4">
+            <a:extLst>
+              <a:ext uri="{FF2B5EF4-FFF2-40B4-BE49-F238E27FC236}">
+                <a16:creationId xmlns:a16="http://schemas.microsoft.com/office/drawing/2014/main" id="{1609DE64-9FEF-2F47-C720-702A44592E5C}"/>
+              </a:ext>
+            </a:extLst>
+          </p:cNvPr>
+          <p:cNvPicPr>
+            <a:picLocks noChangeAspect="1"/>
+          </p:cNvPicPr>
+          <p:nvPr/>
+        </p:nvPicPr>
+        <p:blipFill rotWithShape="1">
+          <a:blip r:embed="rId2">
+            <a:extLst>
+              <a:ext uri="{28A0092B-C50C-407E-A947-70E740481C1C}">
+                <a14:useLocalDpi xmlns:a14="http://schemas.microsoft.com/office/drawing/2010/main" val="0"/>
+              </a:ext>
+            </a:extLst>
+          </a:blip>
+          <a:srcRect l="-10367" t="9112" r="49451"/>
+          <a:stretch/>
+        </p:blipFill>
+        <p:spPr>
+          <a:xfrm>
+            <a:off x="-895350" y="0"/>
+            <a:ext cx="5268895" cy="3124788"/>
+          </a:xfrm>
+          <a:prstGeom prst="rect">
+            <a:avLst/>
+          </a:prstGeom>
+        </p:spPr>
+      </p:pic>
+      <p:pic>
+        <p:nvPicPr>
+          <p:cNvPr id="7" name="Kép 6">
+            <a:extLst>
+              <a:ext uri="{FF2B5EF4-FFF2-40B4-BE49-F238E27FC236}">
+                <a16:creationId xmlns:a16="http://schemas.microsoft.com/office/drawing/2014/main" id="{762EBB18-30AA-9A2E-9DBF-9A32322D7722}"/>
+              </a:ext>
+            </a:extLst>
+          </p:cNvPr>
+          <p:cNvPicPr>
+            <a:picLocks noChangeAspect="1"/>
+          </p:cNvPicPr>
+          <p:nvPr/>
+        </p:nvPicPr>
+        <p:blipFill rotWithShape="1">
+          <a:blip r:embed="rId2">
+            <a:extLst>
+              <a:ext uri="{28A0092B-C50C-407E-A947-70E740481C1C}">
+                <a14:useLocalDpi xmlns:a14="http://schemas.microsoft.com/office/drawing/2010/main" val="0"/>
+              </a:ext>
+            </a:extLst>
+          </a:blip>
+          <a:srcRect l="53548" r="1"/>
+          <a:stretch/>
+        </p:blipFill>
+        <p:spPr>
+          <a:xfrm>
+            <a:off x="0" y="3124788"/>
+            <a:ext cx="4373545" cy="3742669"/>
+          </a:xfrm>
+          <a:prstGeom prst="rect">
+            <a:avLst/>
+          </a:prstGeom>
+        </p:spPr>
+      </p:pic>
+      <p:sp>
+        <p:nvSpPr>
+          <p:cNvPr id="19" name="Rectangle 13">
+            <a:extLst>
+              <a:ext uri="{FF2B5EF4-FFF2-40B4-BE49-F238E27FC236}">
+                <a16:creationId xmlns:a16="http://schemas.microsoft.com/office/drawing/2014/main" id="{B5408C03-B752-49FB-ABD5-7ED758AE48C5}"/>
+              </a:ext>
+              <a:ext uri="{C183D7F6-B498-43B3-948B-1728B52AA6E4}">
+                <adec:decorative xmlns:adec="http://schemas.microsoft.com/office/drawing/2017/decorative" val="1"/>
+              </a:ext>
+            </a:extLst>
+          </p:cNvPr>
+          <p:cNvSpPr>
+            <a:spLocks noGrp="1" noRot="1" noChangeAspect="1" noMove="1" noResize="1" noEditPoints="1" noAdjustHandles="1" noChangeArrowheads="1" noChangeShapeType="1" noTextEdit="1"/>
+          </p:cNvSpPr>
+          <p:nvPr>
+            <p:extLst>
+              <p:ext uri="{386F3935-93C4-4BCD-93E2-E3B085C9AB24}">
+                <p16:designElem xmlns:p16="http://schemas.microsoft.com/office/powerpoint/2015/main" val="1"/>
+              </p:ext>
+            </p:extLst>
+          </p:nvPr>
+        </p:nvSpPr>
+        <p:spPr>
+          <a:xfrm>
+            <a:off x="4373545" y="376"/>
+            <a:ext cx="228600" cy="6858000"/>
+          </a:xfrm>
+          <a:prstGeom prst="rect">
+            <a:avLst/>
+          </a:prstGeom>
+          <a:solidFill>
+            <a:schemeClr val="tx2"/>
+          </a:solidFill>
+          <a:ln>
+            <a:noFill/>
+          </a:ln>
+        </p:spPr>
+        <p:style>
+          <a:lnRef idx="2">
+            <a:schemeClr val="accent1">
+              <a:shade val="50000"/>
+            </a:schemeClr>
+          </a:lnRef>
+          <a:fillRef idx="1">
+            <a:schemeClr val="accent1"/>
+          </a:fillRef>
+          <a:effectRef idx="0">
+            <a:schemeClr val="accent1"/>
+          </a:effectRef>
+          <a:fontRef idx="minor">
+            <a:schemeClr val="lt1"/>
+          </a:fontRef>
+        </p:style>
       </p:sp>
       <p:sp>
         <p:nvSpPr>
@@ -3493,121 +4422,39 @@
             <p:ph idx="1"/>
           </p:nvPr>
         </p:nvSpPr>
-        <p:spPr/>
-        <p:txBody>
-          <a:bodyPr/>
+        <p:spPr>
+          <a:xfrm>
+            <a:off x="5100824" y="2286000"/>
+            <a:ext cx="6176776" cy="3581400"/>
+          </a:xfrm>
+        </p:spPr>
+        <p:txBody>
+          <a:bodyPr>
+            <a:normAutofit/>
+          </a:bodyPr>
           <a:lstStyle/>
           <a:p>
             <a:r>
-              <a:rPr lang="hu-HU" dirty="0" err="1"/>
-              <a:t>Possible</a:t>
-            </a:r>
-            <a:r>
-              <a:rPr lang="hu-HU" dirty="0"/>
-              <a:t> </a:t>
-            </a:r>
-            <a:r>
-              <a:rPr lang="hu-HU" dirty="0" err="1"/>
-              <a:t>aid</a:t>
-            </a:r>
-            <a:r>
-              <a:rPr lang="hu-HU" dirty="0"/>
-              <a:t> in </a:t>
-            </a:r>
-            <a:r>
-              <a:rPr lang="hu-HU" dirty="0" err="1"/>
-              <a:t>automatic</a:t>
-            </a:r>
-            <a:r>
-              <a:rPr lang="hu-HU" dirty="0"/>
-              <a:t> </a:t>
-            </a:r>
-            <a:r>
-              <a:rPr lang="hu-HU" dirty="0" err="1"/>
-              <a:t>waste</a:t>
-            </a:r>
-            <a:r>
-              <a:rPr lang="hu-HU" dirty="0"/>
-              <a:t> sorting</a:t>
-            </a:r>
-          </a:p>
-          <a:p>
-            <a:r>
-              <a:rPr lang="hu-HU" dirty="0"/>
-              <a:t>Image </a:t>
-            </a:r>
-            <a:r>
-              <a:rPr lang="hu-HU" dirty="0" err="1"/>
-              <a:t>classification</a:t>
-            </a:r>
-            <a:endParaRPr lang="hu-HU" dirty="0"/>
-          </a:p>
-          <a:p>
-            <a:r>
-              <a:rPr lang="hu-HU" dirty="0" err="1"/>
-              <a:t>Separate</a:t>
-            </a:r>
-            <a:r>
-              <a:rPr lang="hu-HU" dirty="0"/>
-              <a:t> </a:t>
-            </a:r>
-            <a:r>
-              <a:rPr lang="hu-HU" dirty="0" err="1"/>
-              <a:t>recyclables</a:t>
-            </a:r>
-            <a:r>
-              <a:rPr lang="hu-HU" dirty="0"/>
-              <a:t> (</a:t>
-            </a:r>
-            <a:r>
-              <a:rPr lang="hu-HU" dirty="0" err="1"/>
-              <a:t>e.g</a:t>
-            </a:r>
-            <a:r>
-              <a:rPr lang="hu-HU" dirty="0"/>
-              <a:t>. </a:t>
-            </a:r>
-            <a:r>
-              <a:rPr lang="hu-HU" dirty="0" err="1"/>
-              <a:t>paper</a:t>
-            </a:r>
-            <a:r>
-              <a:rPr lang="hu-HU" dirty="0"/>
-              <a:t>, </a:t>
-            </a:r>
-            <a:r>
-              <a:rPr lang="hu-HU" dirty="0" err="1"/>
-              <a:t>plastic</a:t>
-            </a:r>
-            <a:r>
-              <a:rPr lang="hu-HU" dirty="0"/>
-              <a:t>, metal)</a:t>
-            </a:r>
-          </a:p>
-          <a:p>
-            <a:r>
-              <a:rPr lang="hu-HU" dirty="0"/>
-              <a:t>Non-</a:t>
-            </a:r>
-            <a:r>
-              <a:rPr lang="hu-HU" dirty="0" err="1"/>
-              <a:t>recyclables</a:t>
-            </a:r>
-            <a:r>
-              <a:rPr lang="hu-HU" dirty="0"/>
-              <a:t> and </a:t>
-            </a:r>
-            <a:r>
-              <a:rPr lang="hu-HU" dirty="0" err="1"/>
-              <a:t>hazardous</a:t>
-            </a:r>
-            <a:r>
-              <a:rPr lang="hu-HU" dirty="0"/>
-              <a:t> </a:t>
-            </a:r>
-            <a:r>
-              <a:rPr lang="hu-HU" dirty="0" err="1"/>
-              <a:t>waste</a:t>
+              <a:rPr lang="hu-HU"/>
+              <a:t>Possible aid in automatic waste sorting</a:t>
+            </a:r>
+          </a:p>
+          <a:p>
+            <a:r>
+              <a:rPr lang="hu-HU"/>
+              <a:t>Image classification</a:t>
+            </a:r>
+          </a:p>
+          <a:p>
+            <a:r>
+              <a:rPr lang="hu-HU"/>
+              <a:t>Separate recyclables (e.g. paper, plastic, metal)</a:t>
+            </a:r>
+          </a:p>
+          <a:p>
+            <a:r>
+              <a:rPr lang="hu-HU"/>
+              <a:t>Non-recyclables and hazardous waste</a:t>
             </a:r>
             <a:endParaRPr lang="hu-HU" dirty="0"/>
           </a:p>
@@ -3629,6 +4476,14 @@
 <file path=ppt/slides/slide3.xml><?xml version="1.0" encoding="utf-8"?>
 <p:sld xmlns:a="http://schemas.openxmlformats.org/drawingml/2006/main" xmlns:r="http://schemas.openxmlformats.org/officeDocument/2006/relationships" xmlns:p="http://schemas.openxmlformats.org/presentationml/2006/main">
   <p:cSld>
+    <p:bg>
+      <p:bgPr>
+        <a:solidFill>
+          <a:schemeClr val="bg2"/>
+        </a:solidFill>
+        <a:effectLst/>
+      </p:bgPr>
+    </p:bg>
     <p:spTree>
       <p:nvGrpSpPr>
         <p:cNvPr id="1" name=""/>
@@ -3659,13 +4514,20 @@
             <p:ph type="title"/>
           </p:nvPr>
         </p:nvSpPr>
-        <p:spPr/>
-        <p:txBody>
-          <a:bodyPr/>
+        <p:spPr>
+          <a:xfrm>
+            <a:off x="1371600" y="685800"/>
+            <a:ext cx="3282695" cy="1485900"/>
+          </a:xfrm>
+        </p:spPr>
+        <p:txBody>
+          <a:bodyPr>
+            <a:normAutofit/>
+          </a:bodyPr>
           <a:lstStyle/>
           <a:p>
             <a:r>
-              <a:rPr lang="hu-HU" dirty="0" err="1"/>
+              <a:rPr lang="hu-HU"/>
               <a:t>Datasets</a:t>
             </a:r>
             <a:endParaRPr lang="hu-HU" dirty="0"/>
@@ -3688,167 +4550,210 @@
             <p:ph idx="1"/>
           </p:nvPr>
         </p:nvSpPr>
-        <p:spPr/>
-        <p:txBody>
-          <a:bodyPr/>
+        <p:spPr>
+          <a:xfrm>
+            <a:off x="1371600" y="2286000"/>
+            <a:ext cx="3282694" cy="3581400"/>
+          </a:xfrm>
+        </p:spPr>
+        <p:txBody>
+          <a:bodyPr>
+            <a:normAutofit/>
+          </a:bodyPr>
           <a:lstStyle/>
           <a:p>
             <a:r>
-              <a:rPr lang="hu-HU" dirty="0" err="1"/>
+              <a:rPr lang="hu-HU" sz="1700" err="1"/>
               <a:t>Three</a:t>
             </a:r>
             <a:r>
-              <a:rPr lang="hu-HU" dirty="0"/>
+              <a:rPr lang="hu-HU" sz="1700"/>
               <a:t> </a:t>
             </a:r>
             <a:r>
-              <a:rPr lang="hu-HU" dirty="0" err="1"/>
+              <a:rPr lang="hu-HU" sz="1700" err="1"/>
               <a:t>datesets</a:t>
             </a:r>
             <a:r>
-              <a:rPr lang="hu-HU" dirty="0"/>
+              <a:rPr lang="hu-HU" sz="1700"/>
               <a:t> </a:t>
             </a:r>
             <a:r>
-              <a:rPr lang="hu-HU" dirty="0" err="1"/>
+              <a:rPr lang="hu-HU" sz="1700" err="1"/>
               <a:t>merged</a:t>
             </a:r>
             <a:r>
-              <a:rPr lang="hu-HU" dirty="0"/>
+              <a:rPr lang="hu-HU" sz="1700"/>
               <a:t> (</a:t>
             </a:r>
             <a:r>
-              <a:rPr lang="hu-HU" dirty="0" err="1"/>
+              <a:rPr lang="hu-HU" sz="1700" err="1"/>
               <a:t>Kaggle</a:t>
             </a:r>
             <a:r>
-              <a:rPr lang="hu-HU" dirty="0"/>
+              <a:rPr lang="hu-HU" sz="1700"/>
               <a:t> and </a:t>
             </a:r>
             <a:r>
-              <a:rPr lang="hu-HU" dirty="0" err="1"/>
+              <a:rPr lang="hu-HU" sz="1700" err="1"/>
               <a:t>Github</a:t>
             </a:r>
             <a:r>
-              <a:rPr lang="hu-HU" dirty="0"/>
+              <a:rPr lang="hu-HU" sz="1700"/>
               <a:t>) ~23.000 </a:t>
             </a:r>
             <a:r>
-              <a:rPr lang="hu-HU" dirty="0" err="1"/>
+              <a:rPr lang="hu-HU" sz="1700" err="1"/>
               <a:t>images</a:t>
             </a:r>
-            <a:endParaRPr lang="hu-HU" dirty="0"/>
-          </a:p>
-          <a:p>
-            <a:r>
-              <a:rPr lang="hu-HU" dirty="0" err="1"/>
+            <a:endParaRPr lang="hu-HU" sz="1700"/>
+          </a:p>
+          <a:p>
+            <a:r>
+              <a:rPr lang="hu-HU" sz="1700" err="1"/>
               <a:t>Waste</a:t>
             </a:r>
             <a:r>
-              <a:rPr lang="hu-HU" dirty="0"/>
+              <a:rPr lang="hu-HU" sz="1700"/>
               <a:t> </a:t>
             </a:r>
             <a:r>
-              <a:rPr lang="hu-HU" dirty="0" err="1"/>
+              <a:rPr lang="hu-HU" sz="1700" err="1"/>
               <a:t>items</a:t>
             </a:r>
             <a:r>
-              <a:rPr lang="hu-HU" dirty="0"/>
+              <a:rPr lang="hu-HU" sz="1700"/>
               <a:t> in </a:t>
             </a:r>
             <a:r>
-              <a:rPr lang="hu-HU" dirty="0" err="1"/>
+              <a:rPr lang="hu-HU" sz="1700" err="1"/>
               <a:t>various</a:t>
             </a:r>
             <a:r>
-              <a:rPr lang="hu-HU" dirty="0"/>
+              <a:rPr lang="hu-HU" sz="1700"/>
               <a:t> </a:t>
             </a:r>
             <a:r>
-              <a:rPr lang="hu-HU" dirty="0" err="1"/>
+              <a:rPr lang="hu-HU" sz="1700" err="1"/>
               <a:t>locations</a:t>
             </a:r>
-            <a:endParaRPr lang="hu-HU" dirty="0"/>
-          </a:p>
-          <a:p>
-            <a:r>
-              <a:rPr lang="hu-HU" dirty="0" err="1"/>
+            <a:endParaRPr lang="hu-HU" sz="1700"/>
+          </a:p>
+          <a:p>
+            <a:r>
+              <a:rPr lang="hu-HU" sz="1700" err="1"/>
               <a:t>Eight</a:t>
             </a:r>
             <a:r>
-              <a:rPr lang="hu-HU" dirty="0"/>
+              <a:rPr lang="hu-HU" sz="1700"/>
               <a:t> </a:t>
             </a:r>
             <a:r>
-              <a:rPr lang="hu-HU" dirty="0" err="1"/>
+              <a:rPr lang="hu-HU" sz="1700" err="1"/>
               <a:t>categories</a:t>
             </a:r>
             <a:r>
-              <a:rPr lang="hu-HU" dirty="0"/>
+              <a:rPr lang="hu-HU" sz="1700"/>
               <a:t>, </a:t>
             </a:r>
             <a:r>
-              <a:rPr lang="hu-HU" dirty="0" err="1"/>
+              <a:rPr lang="hu-HU" sz="1700" err="1"/>
               <a:t>five</a:t>
             </a:r>
             <a:r>
-              <a:rPr lang="hu-HU" dirty="0"/>
+              <a:rPr lang="hu-HU" sz="1700"/>
               <a:t> </a:t>
             </a:r>
             <a:r>
-              <a:rPr lang="hu-HU" dirty="0" err="1"/>
+              <a:rPr lang="hu-HU" sz="1700" err="1"/>
               <a:t>recyclable</a:t>
             </a:r>
             <a:r>
-              <a:rPr lang="hu-HU" dirty="0"/>
+              <a:rPr lang="hu-HU" sz="1700"/>
               <a:t>, </a:t>
             </a:r>
             <a:r>
-              <a:rPr lang="hu-HU" dirty="0" err="1"/>
+              <a:rPr lang="hu-HU" sz="1700" err="1"/>
               <a:t>three</a:t>
             </a:r>
             <a:r>
-              <a:rPr lang="hu-HU" dirty="0"/>
+              <a:rPr lang="hu-HU" sz="1700"/>
               <a:t> non-</a:t>
             </a:r>
             <a:r>
-              <a:rPr lang="hu-HU" dirty="0" err="1"/>
+              <a:rPr lang="hu-HU" sz="1700" err="1"/>
               <a:t>recyclable</a:t>
             </a:r>
-            <a:endParaRPr lang="hu-HU" dirty="0"/>
-          </a:p>
-          <a:p>
-            <a:r>
-              <a:rPr lang="hu-HU" dirty="0"/>
+            <a:endParaRPr lang="hu-HU" sz="1700"/>
+          </a:p>
+          <a:p>
+            <a:r>
+              <a:rPr lang="hu-HU" sz="1700"/>
               <a:t>14:3:3 </a:t>
             </a:r>
             <a:r>
-              <a:rPr lang="hu-HU" dirty="0" err="1"/>
+              <a:rPr lang="hu-HU" sz="1700" err="1"/>
               <a:t>train:validation:test</a:t>
             </a:r>
             <a:r>
-              <a:rPr lang="hu-HU" dirty="0"/>
+              <a:rPr lang="hu-HU" sz="1700"/>
               <a:t> </a:t>
             </a:r>
             <a:r>
-              <a:rPr lang="hu-HU" dirty="0" err="1"/>
+              <a:rPr lang="hu-HU" sz="1700" err="1"/>
               <a:t>split</a:t>
             </a:r>
-            <a:endParaRPr lang="hu-HU" dirty="0"/>
-          </a:p>
-          <a:p>
-            <a:r>
-              <a:rPr lang="hu-HU" dirty="0"/>
+            <a:endParaRPr lang="hu-HU" sz="1700"/>
+          </a:p>
+          <a:p>
+            <a:r>
+              <a:rPr lang="hu-HU" sz="1700"/>
               <a:t>Data-</a:t>
             </a:r>
             <a:r>
-              <a:rPr lang="hu-HU" dirty="0" err="1"/>
+              <a:rPr lang="hu-HU" sz="1700" err="1"/>
               <a:t>augmentation</a:t>
             </a:r>
-            <a:endParaRPr lang="hu-HU" dirty="0"/>
-          </a:p>
-        </p:txBody>
-      </p:sp>
+            <a:endParaRPr lang="hu-HU" sz="1700"/>
+          </a:p>
+        </p:txBody>
+      </p:sp>
+      <p:pic>
+        <p:nvPicPr>
+          <p:cNvPr id="5" name="Kép 4">
+            <a:extLst>
+              <a:ext uri="{FF2B5EF4-FFF2-40B4-BE49-F238E27FC236}">
+                <a16:creationId xmlns:a16="http://schemas.microsoft.com/office/drawing/2014/main" id="{EE6BC1F2-A032-834E-3ED6-D21A0A98BF36}"/>
+              </a:ext>
+            </a:extLst>
+          </p:cNvPr>
+          <p:cNvPicPr>
+            <a:picLocks noChangeAspect="1"/>
+          </p:cNvPicPr>
+          <p:nvPr/>
+        </p:nvPicPr>
+        <p:blipFill>
+          <a:blip r:embed="rId2">
+            <a:extLst>
+              <a:ext uri="{28A0092B-C50C-407E-A947-70E740481C1C}">
+                <a14:useLocalDpi xmlns:a14="http://schemas.microsoft.com/office/drawing/2010/main" val="0"/>
+              </a:ext>
+            </a:extLst>
+          </a:blip>
+          <a:stretch>
+            <a:fillRect/>
+          </a:stretch>
+        </p:blipFill>
+        <p:spPr>
+          <a:xfrm>
+            <a:off x="5031467" y="1216104"/>
+            <a:ext cx="6517065" cy="4105750"/>
+          </a:xfrm>
+          <a:prstGeom prst="rect">
+            <a:avLst/>
+          </a:prstGeom>
+        </p:spPr>
+      </p:pic>
     </p:spTree>
     <p:extLst>
       <p:ext uri="{BB962C8B-B14F-4D97-AF65-F5344CB8AC3E}">
@@ -4415,7 +5320,7 @@
           <a:lstStyle/>
           <a:p>
             <a:r>
-              <a:rPr lang="hu-HU" dirty="0" err="1"/>
+              <a:rPr lang="hu-HU"/>
               <a:t>Results</a:t>
             </a:r>
             <a:endParaRPr lang="hu-HU" dirty="0"/>
@@ -4438,7 +5343,12 @@
             <p:ph idx="1"/>
           </p:nvPr>
         </p:nvSpPr>
-        <p:spPr/>
+        <p:spPr>
+          <a:xfrm>
+            <a:off x="2133304" y="1638300"/>
+            <a:ext cx="9601200" cy="3581400"/>
+          </a:xfrm>
+        </p:spPr>
         <p:txBody>
           <a:bodyPr/>
           <a:lstStyle/>
@@ -4711,6 +5621,42 @@
           </a:p>
         </p:txBody>
       </p:sp>
+      <p:pic>
+        <p:nvPicPr>
+          <p:cNvPr id="7" name="Kép 6">
+            <a:extLst>
+              <a:ext uri="{FF2B5EF4-FFF2-40B4-BE49-F238E27FC236}">
+                <a16:creationId xmlns:a16="http://schemas.microsoft.com/office/drawing/2014/main" id="{C0ABC327-1160-5C39-BDC9-297F2AC9F238}"/>
+              </a:ext>
+            </a:extLst>
+          </p:cNvPr>
+          <p:cNvPicPr>
+            <a:picLocks noChangeAspect="1"/>
+          </p:cNvPicPr>
+          <p:nvPr/>
+        </p:nvPicPr>
+        <p:blipFill>
+          <a:blip r:embed="rId2">
+            <a:extLst>
+              <a:ext uri="{28A0092B-C50C-407E-A947-70E740481C1C}">
+                <a14:useLocalDpi xmlns:a14="http://schemas.microsoft.com/office/drawing/2010/main" val="0"/>
+              </a:ext>
+            </a:extLst>
+          </a:blip>
+          <a:stretch>
+            <a:fillRect/>
+          </a:stretch>
+        </p:blipFill>
+        <p:spPr>
+          <a:xfrm>
+            <a:off x="2761954" y="4015635"/>
+            <a:ext cx="6820491" cy="2408129"/>
+          </a:xfrm>
+          <a:prstGeom prst="rect">
+            <a:avLst/>
+          </a:prstGeom>
+        </p:spPr>
+      </p:pic>
     </p:spTree>
     <p:extLst>
       <p:ext uri="{BB962C8B-B14F-4D97-AF65-F5344CB8AC3E}">
@@ -4725,9 +5671,9 @@
 </file>
 
 <file path=ppt/theme/theme1.xml><?xml version="1.0" encoding="utf-8"?>
-<a:theme xmlns:a="http://schemas.openxmlformats.org/drawingml/2006/main" name="Office-téma">
+<a:theme xmlns:a="http://schemas.openxmlformats.org/drawingml/2006/main" name="Körülvágás">
   <a:themeElements>
-    <a:clrScheme name="Office">
+    <a:clrScheme name="Sárga–narancs">
       <a:dk1>
         <a:sysClr val="windowText" lastClr="000000"/>
       </a:dk1>
@@ -4735,100 +5681,48 @@
         <a:sysClr val="window" lastClr="FFFFFF"/>
       </a:lt1>
       <a:dk2>
-        <a:srgbClr val="44546A"/>
+        <a:srgbClr val="4E3B30"/>
       </a:dk2>
       <a:lt2>
-        <a:srgbClr val="E7E6E6"/>
+        <a:srgbClr val="FBEEC9"/>
       </a:lt2>
       <a:accent1>
-        <a:srgbClr val="4472C4"/>
+        <a:srgbClr val="F0A22E"/>
       </a:accent1>
       <a:accent2>
-        <a:srgbClr val="ED7D31"/>
+        <a:srgbClr val="A5644E"/>
       </a:accent2>
       <a:accent3>
-        <a:srgbClr val="A5A5A5"/>
+        <a:srgbClr val="B58B80"/>
       </a:accent3>
       <a:accent4>
-        <a:srgbClr val="FFC000"/>
+        <a:srgbClr val="C3986D"/>
       </a:accent4>
       <a:accent5>
-        <a:srgbClr val="5B9BD5"/>
+        <a:srgbClr val="A19574"/>
       </a:accent5>
       <a:accent6>
-        <a:srgbClr val="70AD47"/>
+        <a:srgbClr val="C17529"/>
       </a:accent6>
       <a:hlink>
-        <a:srgbClr val="0563C1"/>
+        <a:srgbClr val="AD1F1F"/>
       </a:hlink>
       <a:folHlink>
-        <a:srgbClr val="954F72"/>
+        <a:srgbClr val="FFC42F"/>
       </a:folHlink>
     </a:clrScheme>
-    <a:fontScheme name="Office">
+    <a:fontScheme name="Körülvágás">
       <a:majorFont>
-        <a:latin typeface="Calibri Light" panose="020F0302020204030204"/>
+        <a:latin typeface="Franklin Gothic Book" panose="020B0503020102020204"/>
         <a:ea typeface=""/>
         <a:cs typeface=""/>
-        <a:font script="Jpan" typeface="游ゴシック Light"/>
-        <a:font script="Hang" typeface="맑은 고딕"/>
-        <a:font script="Hans" typeface="等线 Light"/>
-        <a:font script="Hant" typeface="新細明體"/>
-        <a:font script="Arab" typeface="Times New Roman"/>
-        <a:font script="Hebr" typeface="Times New Roman"/>
-        <a:font script="Thai" typeface="Angsana New"/>
-        <a:font script="Ethi" typeface="Nyala"/>
-        <a:font script="Beng" typeface="Vrinda"/>
-        <a:font script="Gujr" typeface="Shruti"/>
-        <a:font script="Khmr" typeface="MoolBoran"/>
-        <a:font script="Knda" typeface="Tunga"/>
-        <a:font script="Guru" typeface="Raavi"/>
-        <a:font script="Cans" typeface="Euphemia"/>
-        <a:font script="Cher" typeface="Plantagenet Cherokee"/>
-        <a:font script="Yiii" typeface="Microsoft Yi Baiti"/>
-        <a:font script="Tibt" typeface="Microsoft Himalaya"/>
-        <a:font script="Thaa" typeface="MV Boli"/>
-        <a:font script="Deva" typeface="Mangal"/>
-        <a:font script="Telu" typeface="Gautami"/>
-        <a:font script="Taml" typeface="Latha"/>
-        <a:font script="Syrc" typeface="Estrangelo Edessa"/>
-        <a:font script="Orya" typeface="Kalinga"/>
-        <a:font script="Mlym" typeface="Kartika"/>
-        <a:font script="Laoo" typeface="DokChampa"/>
-        <a:font script="Sinh" typeface="Iskoola Pota"/>
-        <a:font script="Mong" typeface="Mongolian Baiti"/>
-        <a:font script="Viet" typeface="Times New Roman"/>
-        <a:font script="Uigh" typeface="Microsoft Uighur"/>
-        <a:font script="Geor" typeface="Sylfaen"/>
-        <a:font script="Armn" typeface="Arial"/>
-        <a:font script="Bugi" typeface="Leelawadee UI"/>
-        <a:font script="Bopo" typeface="Microsoft JhengHei"/>
-        <a:font script="Java" typeface="Javanese Text"/>
-        <a:font script="Lisu" typeface="Segoe UI"/>
-        <a:font script="Mymr" typeface="Myanmar Text"/>
-        <a:font script="Nkoo" typeface="Ebrima"/>
-        <a:font script="Olck" typeface="Nirmala UI"/>
-        <a:font script="Osma" typeface="Ebrima"/>
-        <a:font script="Phag" typeface="Phagspa"/>
-        <a:font script="Syrn" typeface="Estrangelo Edessa"/>
-        <a:font script="Syrj" typeface="Estrangelo Edessa"/>
-        <a:font script="Syre" typeface="Estrangelo Edessa"/>
-        <a:font script="Sora" typeface="Nirmala UI"/>
-        <a:font script="Tale" typeface="Microsoft Tai Le"/>
-        <a:font script="Talu" typeface="Microsoft New Tai Lue"/>
-        <a:font script="Tfng" typeface="Ebrima"/>
-      </a:majorFont>
-      <a:minorFont>
-        <a:latin typeface="Calibri" panose="020F0502020204030204"/>
-        <a:ea typeface=""/>
-        <a:cs typeface=""/>
-        <a:font script="Jpan" typeface="游ゴシック"/>
-        <a:font script="Hang" typeface="맑은 고딕"/>
-        <a:font script="Hans" typeface="等线"/>
-        <a:font script="Hant" typeface="新細明體"/>
-        <a:font script="Arab" typeface="Arial"/>
-        <a:font script="Hebr" typeface="Arial"/>
-        <a:font script="Thai" typeface="Cordia New"/>
+        <a:font script="Jpan" typeface="メイリオ"/>
+        <a:font script="Hang" typeface="돋움"/>
+        <a:font script="Hans" typeface="华文楷体"/>
+        <a:font script="Hant" typeface="微軟正黑體"/>
+        <a:font script="Arab" typeface="Tahoma"/>
+        <a:font script="Hebr" typeface="Aharoni"/>
+        <a:font script="Thai" typeface="LilyUPC"/>
         <a:font script="Ethi" typeface="Nyala"/>
         <a:font script="Beng" typeface="Vrinda"/>
         <a:font script="Gujr" typeface="Shruti"/>
@@ -4849,29 +5743,47 @@
         <a:font script="Laoo" typeface="DokChampa"/>
         <a:font script="Sinh" typeface="Iskoola Pota"/>
         <a:font script="Mong" typeface="Mongolian Baiti"/>
-        <a:font script="Viet" typeface="Arial"/>
+        <a:font script="Viet" typeface="Tahoma"/>
         <a:font script="Uigh" typeface="Microsoft Uighur"/>
         <a:font script="Geor" typeface="Sylfaen"/>
-        <a:font script="Armn" typeface="Arial"/>
-        <a:font script="Bugi" typeface="Leelawadee UI"/>
-        <a:font script="Bopo" typeface="Microsoft JhengHei"/>
-        <a:font script="Java" typeface="Javanese Text"/>
-        <a:font script="Lisu" typeface="Segoe UI"/>
-        <a:font script="Mymr" typeface="Myanmar Text"/>
-        <a:font script="Nkoo" typeface="Ebrima"/>
-        <a:font script="Olck" typeface="Nirmala UI"/>
-        <a:font script="Osma" typeface="Ebrima"/>
-        <a:font script="Phag" typeface="Phagspa"/>
-        <a:font script="Syrn" typeface="Estrangelo Edessa"/>
-        <a:font script="Syrj" typeface="Estrangelo Edessa"/>
-        <a:font script="Syre" typeface="Estrangelo Edessa"/>
-        <a:font script="Sora" typeface="Nirmala UI"/>
-        <a:font script="Tale" typeface="Microsoft Tai Le"/>
-        <a:font script="Talu" typeface="Microsoft New Tai Lue"/>
-        <a:font script="Tfng" typeface="Ebrima"/>
+      </a:majorFont>
+      <a:minorFont>
+        <a:latin typeface="Franklin Gothic Book" panose="020B0503020102020204"/>
+        <a:ea typeface=""/>
+        <a:cs typeface=""/>
+        <a:font script="Jpan" typeface="メイリオ"/>
+        <a:font script="Hang" typeface="돋움"/>
+        <a:font script="Hans" typeface="华文楷体"/>
+        <a:font script="Hant" typeface="微軟正黑體"/>
+        <a:font script="Arab" typeface="Tahoma"/>
+        <a:font script="Hebr" typeface="Aharoni"/>
+        <a:font script="Thai" typeface="LilyUPC"/>
+        <a:font script="Ethi" typeface="Nyala"/>
+        <a:font script="Beng" typeface="Vrinda"/>
+        <a:font script="Gujr" typeface="Shruti"/>
+        <a:font script="Khmr" typeface="DaunPenh"/>
+        <a:font script="Knda" typeface="Tunga"/>
+        <a:font script="Guru" typeface="Raavi"/>
+        <a:font script="Cans" typeface="Euphemia"/>
+        <a:font script="Cher" typeface="Plantagenet Cherokee"/>
+        <a:font script="Yiii" typeface="Microsoft Yi Baiti"/>
+        <a:font script="Tibt" typeface="Microsoft Himalaya"/>
+        <a:font script="Thaa" typeface="MV Boli"/>
+        <a:font script="Deva" typeface="Mangal"/>
+        <a:font script="Telu" typeface="Gautami"/>
+        <a:font script="Taml" typeface="Latha"/>
+        <a:font script="Syrc" typeface="Estrangelo Edessa"/>
+        <a:font script="Orya" typeface="Kalinga"/>
+        <a:font script="Mlym" typeface="Kartika"/>
+        <a:font script="Laoo" typeface="DokChampa"/>
+        <a:font script="Sinh" typeface="Iskoola Pota"/>
+        <a:font script="Mong" typeface="Mongolian Baiti"/>
+        <a:font script="Viet" typeface="Tahoma"/>
+        <a:font script="Uigh" typeface="Microsoft Uighur"/>
+        <a:font script="Geor" typeface="Sylfaen"/>
       </a:minorFont>
     </a:fontScheme>
-    <a:fmtScheme name="Office">
+    <a:fmtScheme name="Körülvágás">
       <a:fillStyleLst>
         <a:solidFill>
           <a:schemeClr val="phClr"/>
@@ -4880,23 +5792,23 @@
           <a:gsLst>
             <a:gs pos="0">
               <a:schemeClr val="phClr">
+                <a:tint val="67000"/>
+                <a:satMod val="105000"/>
                 <a:lumMod val="110000"/>
-                <a:satMod val="105000"/>
-                <a:tint val="67000"/>
               </a:schemeClr>
             </a:gs>
             <a:gs pos="50000">
               <a:schemeClr val="phClr">
+                <a:tint val="73000"/>
+                <a:satMod val="103000"/>
                 <a:lumMod val="105000"/>
-                <a:satMod val="103000"/>
-                <a:tint val="73000"/>
               </a:schemeClr>
             </a:gs>
             <a:gs pos="100000">
               <a:schemeClr val="phClr">
+                <a:tint val="81000"/>
+                <a:satMod val="109000"/>
                 <a:lumMod val="105000"/>
-                <a:satMod val="109000"/>
-                <a:tint val="81000"/>
               </a:schemeClr>
             </a:gs>
           </a:gsLst>
@@ -4906,23 +5818,23 @@
           <a:gsLst>
             <a:gs pos="0">
               <a:schemeClr val="phClr">
+                <a:tint val="94000"/>
                 <a:satMod val="103000"/>
                 <a:lumMod val="102000"/>
-                <a:tint val="94000"/>
               </a:schemeClr>
             </a:gs>
             <a:gs pos="50000">
               <a:schemeClr val="phClr">
+                <a:shade val="100000"/>
                 <a:satMod val="110000"/>
                 <a:lumMod val="100000"/>
-                <a:shade val="100000"/>
               </a:schemeClr>
             </a:gs>
             <a:gs pos="100000">
               <a:schemeClr val="phClr">
+                <a:shade val="78000"/>
+                <a:satMod val="120000"/>
                 <a:lumMod val="99000"/>
-                <a:satMod val="120000"/>
-                <a:shade val="78000"/>
               </a:schemeClr>
             </a:gs>
           </a:gsLst>
@@ -4930,26 +5842,23 @@
         </a:gradFill>
       </a:fillStyleLst>
       <a:lnStyleLst>
-        <a:ln w="6350" cap="flat" cmpd="sng" algn="ctr">
+        <a:ln w="6350" cap="flat" cmpd="sng" algn="in">
           <a:solidFill>
             <a:schemeClr val="phClr"/>
           </a:solidFill>
           <a:prstDash val="solid"/>
-          <a:miter lim="800000"/>
         </a:ln>
-        <a:ln w="12700" cap="flat" cmpd="sng" algn="ctr">
+        <a:ln w="34925" cap="flat" cmpd="sng" algn="in">
           <a:solidFill>
             <a:schemeClr val="phClr"/>
           </a:solidFill>
           <a:prstDash val="solid"/>
-          <a:miter lim="800000"/>
         </a:ln>
-        <a:ln w="19050" cap="flat" cmpd="sng" algn="ctr">
+        <a:ln w="19050" cap="flat" cmpd="sng" algn="in">
           <a:solidFill>
             <a:schemeClr val="phClr"/>
           </a:solidFill>
           <a:prstDash val="solid"/>
-          <a:miter lim="800000"/>
         </a:ln>
       </a:lnStyleLst>
       <a:effectStyleLst>
@@ -4963,7 +5872,7 @@
           <a:effectLst>
             <a:outerShdw blurRad="57150" dist="19050" dir="5400000" algn="ctr" rotWithShape="0">
               <a:srgbClr val="000000">
-                <a:alpha val="63000"/>
+                <a:alpha val="35000"/>
               </a:srgbClr>
             </a:outerShdw>
           </a:effectLst>
@@ -4984,16 +5893,16 @@
             <a:gs pos="0">
               <a:schemeClr val="phClr">
                 <a:tint val="93000"/>
+                <a:shade val="98000"/>
                 <a:satMod val="150000"/>
-                <a:shade val="98000"/>
                 <a:lumMod val="102000"/>
               </a:schemeClr>
             </a:gs>
             <a:gs pos="50000">
               <a:schemeClr val="phClr">
                 <a:tint val="98000"/>
+                <a:shade val="90000"/>
                 <a:satMod val="130000"/>
-                <a:shade val="90000"/>
                 <a:lumMod val="103000"/>
               </a:schemeClr>
             </a:gs>
@@ -5013,7 +5922,7 @@
   <a:extraClrSchemeLst/>
   <a:extLst>
     <a:ext uri="{05A4C25C-085E-4340-85A3-A5531E510DB2}">
-      <thm15:themeFamily xmlns:thm15="http://schemas.microsoft.com/office/thememl/2012/main" name="Office Theme" id="{62F939B6-93AF-4DB8-9C6B-D6C7DFDC589F}" vid="{4A3C46E8-61CC-4603-A589-7422A47A8E4A}"/>
+      <thm15:themeFamily xmlns:thm15="http://schemas.microsoft.com/office/thememl/2012/main" name="Crop" id="{EC9488ED-E761-4D60-9AC4-764D1FE2C171}" vid="{CE19780C-D67D-4C13-9DE9-A52BC3BA51B4}"/>
     </a:ext>
   </a:extLst>
 </a:theme>
